--- a/ep4-VictorAraujo-LuizGirotto/Apresentação_ EP4 (MAC0352).pptx
+++ b/ep4-VictorAraujo-LuizGirotto/Apresentação_ EP4 (MAC0352).pptx
@@ -301,7 +301,7 @@
 
 <file path=ppt/commentAuthors.xml><?xml version="1.0" encoding="utf-8"?>
 <p:cmAuthorLst xmlns:a="http://schemas.openxmlformats.org/drawingml/2006/main" xmlns:r="http://schemas.openxmlformats.org/officeDocument/2006/relationships" xmlns:mc="http://schemas.openxmlformats.org/markup-compatibility/2006" xmlns:mv="urn:schemas-microsoft-com:mac:vml" xmlns:p="http://schemas.openxmlformats.org/presentationml/2006/main" xmlns:c="http://schemas.openxmlformats.org/drawingml/2006/chart" xmlns:dgm="http://schemas.openxmlformats.org/drawingml/2006/diagram" xmlns:o="urn:schemas-microsoft-com:office:office" xmlns:v="urn:schemas-microsoft-com:vml" xmlns:pvml="urn:schemas-microsoft-com:office:powerpoint" xmlns:com="http://schemas.openxmlformats.org/drawingml/2006/compatibility" xmlns:p14="http://schemas.microsoft.com/office/powerpoint/2010/main" xmlns:p15="http://schemas.microsoft.com/office/powerpoint/2012/main">
-  <p:cmAuthor clrIdx="0" id="0" initials="" lastIdx="19" name="Luiz Girotto"/>
+  <p:cmAuthor clrIdx="0" id="0" initials="" lastIdx="14" name="Luiz Girotto"/>
 </p:cmAuthorLst>
 </file>
 
@@ -394,39 +394,22 @@
 
 <file path=ppt/comments/comment6.xml><?xml version="1.0" encoding="utf-8"?>
 <p:cmLst xmlns:a="http://schemas.openxmlformats.org/drawingml/2006/main" xmlns:r="http://schemas.openxmlformats.org/officeDocument/2006/relationships" xmlns:mc="http://schemas.openxmlformats.org/markup-compatibility/2006" xmlns:mv="urn:schemas-microsoft-com:mac:vml" xmlns:p="http://schemas.openxmlformats.org/presentationml/2006/main" xmlns:c="http://schemas.openxmlformats.org/drawingml/2006/chart" xmlns:dgm="http://schemas.openxmlformats.org/drawingml/2006/diagram" xmlns:o="urn:schemas-microsoft-com:office:office" xmlns:v="urn:schemas-microsoft-com:vml" xmlns:pvml="urn:schemas-microsoft-com:office:powerpoint" xmlns:com="http://schemas.openxmlformats.org/drawingml/2006/compatibility" xmlns:p14="http://schemas.microsoft.com/office/powerpoint/2010/main" xmlns:p15="http://schemas.microsoft.com/office/powerpoint/2012/main">
-  <p:cm authorId="0" idx="12" dt="2019-11-30T14:37:18.999">
-    <p:pos x="196" y="948"/>
-    <p:text>Adicionar comentários sobre linhas do código relevantes para se mencionar.</p:text>
-  </p:cm>
-  <p:cm authorId="0" idx="13" dt="2019-11-30T14:27:14.883">
-    <p:pos x="196" y="948"/>
+  <p:cm authorId="0" idx="12" dt="2019-12-03T15:12:36.749">
+    <p:pos x="0" y="0"/>
     <p:text>Os problemas todos basicamente estão contidos nas funções de desserialização: _decode_string e decode_variant.
-Nesta primeira, podemos ver o problema de padding (que resultava no vazamento de memória) a partir da linha 68.</p:text>
-  </p:cm>
-  <p:cm authorId="0" idx="14" dt="2019-11-30T14:28:54.033">
-    <p:pos x="196" y="948"/>
-    <p:text>Na função decode_variant, podemos perceber o erro de leitura de buffer, causado por checagens de tamanho erradas, nos primeiros tipos de variáveis (como integer, real, etc).</p:text>
-  </p:cm>
-  <p:cm authorId="0" idx="15" dt="2019-11-30T14:31:13.119">
-    <p:pos x="196" y="948"/>
-    <p:text>O problema que vamos demonstrar, no entanto, encontra nas desserialização das variáveis do tipo PoolByteArray. Os PoolByteArrays são vetores feitos especificamente para conter bytes, e são otimizados para tal.
-"An Array specifically designed to hold bytes. Optimized for memory usage, does not fragment the memory. Note that this type is passed by value and not by reference."</p:text>
-  </p:cm>
-  <p:cm authorId="0" idx="16" dt="2019-11-30T14:37:18.999">
-    <p:pos x="196" y="948"/>
-    <p:text>O problema reside no fato de que a variável count, que representa o tamanho do vetor, era guardada como sendo um inteiro sem sinal. Este tamanho era então comparado com o tamanho do pacote, e se o tamanho do vetor fosse menor do que o tamanho do pacote, o código pode prosseguir. No entanto, nesta comparação, o valor do tamanho do vetor era convertido para um inteiro com sinal.
+Nesta primeira, podemos ver o problema de padding (que resultava no vazamento de memória) a partir da linha 68.
+Na função decode_variant, podemos perceber o erro de leitura de buffer, causado por checagens de tamanho erradas, nos primeiros tipos de variáveis (como integer, real, etc).
+O problema que vamos demonstrar, no entanto, encontra nas desserialização das variáveis do tipo PoolByteArray. Os PoolByteArrays são vetores feitos especificamente para conter bytes, e são otimizados para tal.
+"An Array specifically designed to hold bytes. Optimized for memory usage, does not fragment the memory. Note that this type is passed by value and not by reference."
+O problema reside no fato de que a variável count, que representa o tamanho do vetor, era guardada como sendo um inteiro sem sinal. Este tamanho era então comparado com o tamanho do pacote, e se o tamanho do vetor fosse menor do que o tamanho do pacote, o código pode prosseguir. No entanto, nesta comparação, o valor do tamanho do vetor era convertido para um inteiro com sinal.
 O problema dessa conversão reside no fato de que, se o tamanho do pacote tivesse seu bit mais significativo igual a 1 (ou seja, se fosse um número maior do que 2^31), ele sempre passaria esta checagem, fazendo com que a engine tentasse alocar mais de 2 gigabytes de memória, fazendo com que esta fosse terminada pelo sistema operacional. Vamos demonstrar este erro em ação.</p:text>
-  </p:cm>
-  <p:cm authorId="0" idx="17" dt="2019-11-30T15:17:51.054">
-    <p:pos x="196" y="1048"/>
-    <p:text>Visualizar no modo "split", para poder dar destaque para o arquivo sem conserto, neste momento. Depois de demonstrar a falha, voltamos ao mesmo modo, e ressaltamos somente a parte consertada.</p:text>
   </p:cm>
 </p:cmLst>
 </file>
 
 <file path=ppt/comments/comment7.xml><?xml version="1.0" encoding="utf-8"?>
 <p:cmLst xmlns:a="http://schemas.openxmlformats.org/drawingml/2006/main" xmlns:r="http://schemas.openxmlformats.org/officeDocument/2006/relationships" xmlns:mc="http://schemas.openxmlformats.org/markup-compatibility/2006" xmlns:mv="urn:schemas-microsoft-com:mac:vml" xmlns:p="http://schemas.openxmlformats.org/presentationml/2006/main" xmlns:c="http://schemas.openxmlformats.org/drawingml/2006/chart" xmlns:dgm="http://schemas.openxmlformats.org/drawingml/2006/diagram" xmlns:o="urn:schemas-microsoft-com:office:office" xmlns:v="urn:schemas-microsoft-com:vml" xmlns:pvml="urn:schemas-microsoft-com:office:powerpoint" xmlns:com="http://schemas.openxmlformats.org/drawingml/2006/compatibility" xmlns:p14="http://schemas.microsoft.com/office/powerpoint/2010/main" xmlns:p15="http://schemas.microsoft.com/office/powerpoint/2012/main">
-  <p:cm authorId="0" idx="18" dt="2019-11-30T15:29:54.370">
+  <p:cm authorId="0" idx="13" dt="2019-11-30T15:29:54.370">
     <p:pos x="196" y="948"/>
     <p:text>Transicionar para o editor, no qual será explicado um pouco do código. Os pontos mais importantes para ser explicados são os dois modos de fala (regular e RAW), e a função bytes2var, e como ela relaciona-se com o código de (de)serialização anteriormente visto.
 Após demonstrar o sistema operacional fechando a engine, explicar o packet que mandamos. Segundo a API de serialização binária (https://docs.godotengine.org/en/3.1/tutorials/misc/binary_serialization_api.html), os 4 primeiros bytes de um pacote representam o tipo de variável sendo encoded, e os 4 bytes seguintes representam o tamanho total desta variável. Note que todos os valores são dados em representação little-endian, o que significa que o byte mais significativo é o último, nesta representação.
@@ -437,7 +420,7 @@
 
 <file path=ppt/comments/comment8.xml><?xml version="1.0" encoding="utf-8"?>
 <p:cmLst xmlns:a="http://schemas.openxmlformats.org/drawingml/2006/main" xmlns:r="http://schemas.openxmlformats.org/officeDocument/2006/relationships" xmlns:mc="http://schemas.openxmlformats.org/markup-compatibility/2006" xmlns:mv="urn:schemas-microsoft-com:mac:vml" xmlns:p="http://schemas.openxmlformats.org/presentationml/2006/main" xmlns:c="http://schemas.openxmlformats.org/drawingml/2006/chart" xmlns:dgm="http://schemas.openxmlformats.org/drawingml/2006/diagram" xmlns:o="urn:schemas-microsoft-com:office:office" xmlns:v="urn:schemas-microsoft-com:vml" xmlns:pvml="urn:schemas-microsoft-com:office:powerpoint" xmlns:com="http://schemas.openxmlformats.org/drawingml/2006/compatibility" xmlns:p14="http://schemas.microsoft.com/office/powerpoint/2010/main" xmlns:p15="http://schemas.microsoft.com/office/powerpoint/2012/main">
-  <p:cm authorId="0" idx="19" dt="2019-11-30T15:35:22.966">
+  <p:cm authorId="0" idx="14" dt="2019-11-30T15:35:22.966">
     <p:pos x="196" y="948"/>
     <p:text>Segundo um dos autores do fix, tratar problemas de segurança com "divulgação responsável" é o caminho correto. Ou seja, o fato do problema ter sido divulgado para um grupo seleto de programadores, para que fosse consertado antes de ser divulgado para o público geral, é o caminho correto segundo o autor da correção.</p:text>
   </p:cm>
@@ -9027,8 +9010,8 @@
         </p:nvSpPr>
         <p:spPr>
           <a:xfrm>
-            <a:off x="311700" y="2242875"/>
-            <a:ext cx="4485600" cy="828000"/>
+            <a:off x="68275" y="2227950"/>
+            <a:ext cx="6093300" cy="828000"/>
           </a:xfrm>
           <a:prstGeom prst="rect">
             <a:avLst/>
@@ -9095,7 +9078,7 @@
                 <a:cs typeface="Roboto"/>
                 <a:sym typeface="Roboto"/>
               </a:rPr>
-              <a:t>Victor Araujo</a:t>
+              <a:t>Victor Chiaradia Gramuglia Araujo</a:t>
             </a:r>
             <a:endParaRPr b="1" sz="2400">
               <a:solidFill>
@@ -9381,63 +9364,34 @@
           </a:p>
         </p:txBody>
       </p:sp>
-      <p:sp>
-        <p:nvSpPr>
+      <p:pic>
+        <p:nvPicPr>
           <p:cNvPr id="125" name="Google Shape;125;p23"/>
-          <p:cNvSpPr txBox="1"/>
-          <p:nvPr>
-            <p:ph idx="1" type="body"/>
-          </p:nvPr>
-        </p:nvSpPr>
+          <p:cNvPicPr preferRelativeResize="0"/>
+          <p:nvPr/>
+        </p:nvPicPr>
+        <p:blipFill>
+          <a:blip r:embed="rId4">
+            <a:alphaModFix/>
+          </a:blip>
+          <a:stretch>
+            <a:fillRect/>
+          </a:stretch>
+        </p:blipFill>
         <p:spPr>
           <a:xfrm>
-            <a:off x="311700" y="1505700"/>
-            <a:ext cx="8520600" cy="3505200"/>
+            <a:off x="1831275" y="1424100"/>
+            <a:ext cx="5481441" cy="3567000"/>
           </a:xfrm>
           <a:prstGeom prst="rect">
             <a:avLst/>
           </a:prstGeom>
+          <a:noFill/>
+          <a:ln>
+            <a:noFill/>
+          </a:ln>
         </p:spPr>
-        <p:txBody>
-          <a:bodyPr anchorCtr="0" anchor="ctr" bIns="91425" lIns="91425" spcFirstLastPara="1" rIns="91425" wrap="square" tIns="91425">
-            <a:noAutofit/>
-          </a:bodyPr>
-          <a:lstStyle/>
-          <a:p>
-            <a:pPr indent="0" lvl="0" marL="457200" rtl="0" algn="ctr">
-              <a:lnSpc>
-                <a:spcPct val="113000"/>
-              </a:lnSpc>
-              <a:spcBef>
-                <a:spcPts val="0"/>
-              </a:spcBef>
-              <a:spcAft>
-                <a:spcPts val="3000"/>
-              </a:spcAft>
-              <a:buNone/>
-            </a:pPr>
-            <a:r>
-              <a:rPr lang="en" sz="2400" u="sng">
-                <a:solidFill>
-                  <a:schemeClr val="hlink"/>
-                </a:solidFill>
-                <a:latin typeface="Montserrat"/>
-                <a:ea typeface="Montserrat"/>
-                <a:cs typeface="Montserrat"/>
-                <a:sym typeface="Montserrat"/>
-                <a:hlinkClick r:id="rId4"/>
-              </a:rPr>
-              <a:t>https://github.com/godotengine/godot/commit/5262d1bbcc81a06db66ac45c3f75535f231268bc</a:t>
-            </a:r>
-            <a:endParaRPr sz="2400">
-              <a:latin typeface="Montserrat"/>
-              <a:ea typeface="Montserrat"/>
-              <a:cs typeface="Montserrat"/>
-              <a:sym typeface="Montserrat"/>
-            </a:endParaRPr>
-          </a:p>
-        </p:txBody>
-      </p:sp>
+      </p:pic>
     </p:spTree>
   </p:cSld>
   <p:clrMapOvr>
@@ -9776,63 +9730,34 @@
           </a:p>
         </p:txBody>
       </p:sp>
-      <p:sp>
-        <p:nvSpPr>
+      <p:pic>
+        <p:nvPicPr>
           <p:cNvPr id="142" name="Google Shape;142;p26"/>
-          <p:cNvSpPr txBox="1"/>
-          <p:nvPr>
-            <p:ph idx="1" type="body"/>
-          </p:nvPr>
-        </p:nvSpPr>
+          <p:cNvPicPr preferRelativeResize="0"/>
+          <p:nvPr/>
+        </p:nvPicPr>
+        <p:blipFill>
+          <a:blip r:embed="rId3">
+            <a:alphaModFix/>
+          </a:blip>
+          <a:stretch>
+            <a:fillRect/>
+          </a:stretch>
+        </p:blipFill>
         <p:spPr>
           <a:xfrm>
-            <a:off x="311700" y="1505700"/>
-            <a:ext cx="8520600" cy="3505200"/>
+            <a:off x="1773900" y="1460225"/>
+            <a:ext cx="5596186" cy="3567000"/>
           </a:xfrm>
           <a:prstGeom prst="rect">
             <a:avLst/>
           </a:prstGeom>
+          <a:noFill/>
+          <a:ln>
+            <a:noFill/>
+          </a:ln>
         </p:spPr>
-        <p:txBody>
-          <a:bodyPr anchorCtr="0" anchor="ctr" bIns="91425" lIns="91425" spcFirstLastPara="1" rIns="91425" wrap="square" tIns="91425">
-            <a:noAutofit/>
-          </a:bodyPr>
-          <a:lstStyle/>
-          <a:p>
-            <a:pPr indent="0" lvl="0" marL="0" rtl="0" algn="ctr">
-              <a:lnSpc>
-                <a:spcPct val="113000"/>
-              </a:lnSpc>
-              <a:spcBef>
-                <a:spcPts val="0"/>
-              </a:spcBef>
-              <a:spcAft>
-                <a:spcPts val="3000"/>
-              </a:spcAft>
-              <a:buNone/>
-            </a:pPr>
-            <a:r>
-              <a:rPr lang="en" sz="2400" u="sng">
-                <a:solidFill>
-                  <a:schemeClr val="hlink"/>
-                </a:solidFill>
-                <a:latin typeface="Montserrat"/>
-                <a:ea typeface="Montserrat"/>
-                <a:cs typeface="Montserrat"/>
-                <a:sym typeface="Montserrat"/>
-                <a:hlinkClick r:id="rId3"/>
-              </a:rPr>
-              <a:t>https://github.com/godotengine/godot/commit/5262d1bbcc81a06db66ac45c3f75535f231268bc</a:t>
-            </a:r>
-            <a:endParaRPr sz="2400">
-              <a:latin typeface="Montserrat"/>
-              <a:ea typeface="Montserrat"/>
-              <a:cs typeface="Montserrat"/>
-              <a:sym typeface="Montserrat"/>
-            </a:endParaRPr>
-          </a:p>
-        </p:txBody>
-      </p:sp>
+      </p:pic>
     </p:spTree>
   </p:cSld>
   <p:clrMapOvr>
@@ -11747,6 +11672,285 @@
 </file>
 
 <file path=ppt/theme/theme1.xml><?xml version="1.0" encoding="utf-8"?>
+<a:theme xmlns:a="http://schemas.openxmlformats.org/drawingml/2006/main" xmlns:r="http://schemas.openxmlformats.org/officeDocument/2006/relationships">
+  <a:themeElements>
+    <a:clrScheme name="Default">
+      <a:dk1>
+        <a:srgbClr val="000000"/>
+      </a:dk1>
+      <a:lt1>
+        <a:srgbClr val="FFFFFF"/>
+      </a:lt1>
+      <a:dk2>
+        <a:srgbClr val="158158"/>
+      </a:dk2>
+      <a:lt2>
+        <a:srgbClr val="F3F3F3"/>
+      </a:lt2>
+      <a:accent1>
+        <a:srgbClr val="058DC7"/>
+      </a:accent1>
+      <a:accent2>
+        <a:srgbClr val="50B432"/>
+      </a:accent2>
+      <a:accent3>
+        <a:srgbClr val="ED561B"/>
+      </a:accent3>
+      <a:accent4>
+        <a:srgbClr val="EDEF00"/>
+      </a:accent4>
+      <a:accent5>
+        <a:srgbClr val="24CBE5"/>
+      </a:accent5>
+      <a:accent6>
+        <a:srgbClr val="64E572"/>
+      </a:accent6>
+      <a:hlink>
+        <a:srgbClr val="2200CC"/>
+      </a:hlink>
+      <a:folHlink>
+        <a:srgbClr val="551A8B"/>
+      </a:folHlink>
+    </a:clrScheme>
+    <a:fontScheme name="Office">
+      <a:majorFont>
+        <a:latin typeface="Arial"/>
+        <a:ea typeface=""/>
+        <a:cs typeface=""/>
+        <a:font script="Jpan" typeface="ＭＳ Ｐゴシック"/>
+        <a:font script="Hang" typeface="맑은 고딕"/>
+        <a:font script="Hans" typeface="宋体"/>
+        <a:font script="Hant" typeface="新細明體"/>
+        <a:font script="Arab" typeface="Times New Roman"/>
+        <a:font script="Hebr" typeface="Times New Roman"/>
+        <a:font script="Thai" typeface="Angsana New"/>
+        <a:font script="Ethi" typeface="Nyala"/>
+        <a:font script="Beng" typeface="Vrinda"/>
+        <a:font script="Gujr" typeface="Shruti"/>
+        <a:font script="Khmr" typeface="MoolBoran"/>
+        <a:font script="Knda" typeface="Tunga"/>
+        <a:font script="Guru" typeface="Raavi"/>
+        <a:font script="Cans" typeface="Euphemia"/>
+        <a:font script="Cher" typeface="Plantagenet Cherokee"/>
+        <a:font script="Yiii" typeface="Microsoft Yi Baiti"/>
+        <a:font script="Tibt" typeface="Microsoft Himalaya"/>
+        <a:font script="Thaa" typeface="MV Boli"/>
+        <a:font script="Deva" typeface="Mangal"/>
+        <a:font script="Telu" typeface="Gautami"/>
+        <a:font script="Taml" typeface="Latha"/>
+        <a:font script="Syrc" typeface="Estrangelo Edessa"/>
+        <a:font script="Orya" typeface="Kalinga"/>
+        <a:font script="Mlym" typeface="Kartika"/>
+        <a:font script="Laoo" typeface="DokChampa"/>
+        <a:font script="Sinh" typeface="Iskoola Pota"/>
+        <a:font script="Mong" typeface="Mongolian Baiti"/>
+        <a:font script="Viet" typeface="Times New Roman"/>
+        <a:font script="Uigh" typeface="Microsoft Uighur"/>
+        <a:font script="Geor" typeface="Sylfaen"/>
+      </a:majorFont>
+      <a:minorFont>
+        <a:latin typeface="Arial"/>
+        <a:ea typeface=""/>
+        <a:cs typeface=""/>
+        <a:font script="Jpan" typeface="ＭＳ Ｐゴシック"/>
+        <a:font script="Hang" typeface="맑은 고딕"/>
+        <a:font script="Hans" typeface="宋体"/>
+        <a:font script="Hant" typeface="新細明體"/>
+        <a:font script="Arab" typeface="Arial"/>
+        <a:font script="Hebr" typeface="Arial"/>
+        <a:font script="Thai" typeface="Cordia New"/>
+        <a:font script="Ethi" typeface="Nyala"/>
+        <a:font script="Beng" typeface="Vrinda"/>
+        <a:font script="Gujr" typeface="Shruti"/>
+        <a:font script="Khmr" typeface="DaunPenh"/>
+        <a:font script="Knda" typeface="Tunga"/>
+        <a:font script="Guru" typeface="Raavi"/>
+        <a:font script="Cans" typeface="Euphemia"/>
+        <a:font script="Cher" typeface="Plantagenet Cherokee"/>
+        <a:font script="Yiii" typeface="Microsoft Yi Baiti"/>
+        <a:font script="Tibt" typeface="Microsoft Himalaya"/>
+        <a:font script="Thaa" typeface="MV Boli"/>
+        <a:font script="Deva" typeface="Mangal"/>
+        <a:font script="Telu" typeface="Gautami"/>
+        <a:font script="Taml" typeface="Latha"/>
+        <a:font script="Syrc" typeface="Estrangelo Edessa"/>
+        <a:font script="Orya" typeface="Kalinga"/>
+        <a:font script="Mlym" typeface="Kartika"/>
+        <a:font script="Laoo" typeface="DokChampa"/>
+        <a:font script="Sinh" typeface="Iskoola Pota"/>
+        <a:font script="Mong" typeface="Mongolian Baiti"/>
+        <a:font script="Viet" typeface="Arial"/>
+        <a:font script="Uigh" typeface="Microsoft Uighur"/>
+        <a:font script="Geor" typeface="Sylfaen"/>
+      </a:minorFont>
+    </a:fontScheme>
+    <a:fmtScheme name="Office">
+      <a:fillStyleLst>
+        <a:solidFill>
+          <a:schemeClr val="phClr"/>
+        </a:solidFill>
+        <a:gradFill rotWithShape="1">
+          <a:gsLst>
+            <a:gs pos="0">
+              <a:schemeClr val="phClr">
+                <a:tint val="50000"/>
+                <a:satMod val="300000"/>
+              </a:schemeClr>
+            </a:gs>
+            <a:gs pos="35000">
+              <a:schemeClr val="phClr">
+                <a:tint val="37000"/>
+                <a:satMod val="300000"/>
+              </a:schemeClr>
+            </a:gs>
+            <a:gs pos="100000">
+              <a:schemeClr val="phClr">
+                <a:tint val="15000"/>
+                <a:satMod val="350000"/>
+              </a:schemeClr>
+            </a:gs>
+          </a:gsLst>
+          <a:lin ang="16200000" scaled="1"/>
+        </a:gradFill>
+        <a:gradFill rotWithShape="1">
+          <a:gsLst>
+            <a:gs pos="0">
+              <a:schemeClr val="phClr">
+                <a:tint val="100000"/>
+                <a:shade val="100000"/>
+                <a:satMod val="130000"/>
+              </a:schemeClr>
+            </a:gs>
+            <a:gs pos="100000">
+              <a:schemeClr val="phClr">
+                <a:tint val="50000"/>
+                <a:shade val="100000"/>
+                <a:satMod val="350000"/>
+              </a:schemeClr>
+            </a:gs>
+          </a:gsLst>
+          <a:lin ang="16200000" scaled="0"/>
+        </a:gradFill>
+      </a:fillStyleLst>
+      <a:lnStyleLst>
+        <a:ln w="9525" cap="flat" cmpd="sng" algn="ctr">
+          <a:solidFill>
+            <a:schemeClr val="phClr">
+              <a:shade val="95000"/>
+              <a:satMod val="105000"/>
+            </a:schemeClr>
+          </a:solidFill>
+          <a:prstDash val="solid"/>
+        </a:ln>
+        <a:ln w="25400" cap="flat" cmpd="sng" algn="ctr">
+          <a:solidFill>
+            <a:schemeClr val="phClr"/>
+          </a:solidFill>
+          <a:prstDash val="solid"/>
+        </a:ln>
+        <a:ln w="38100" cap="flat" cmpd="sng" algn="ctr">
+          <a:solidFill>
+            <a:schemeClr val="phClr"/>
+          </a:solidFill>
+          <a:prstDash val="solid"/>
+        </a:ln>
+      </a:lnStyleLst>
+      <a:effectStyleLst>
+        <a:effectStyle>
+          <a:effectLst>
+            <a:outerShdw blurRad="40000" dist="20000" dir="5400000" rotWithShape="0">
+              <a:srgbClr val="000000">
+                <a:alpha val="38000"/>
+              </a:srgbClr>
+            </a:outerShdw>
+          </a:effectLst>
+        </a:effectStyle>
+        <a:effectStyle>
+          <a:effectLst>
+            <a:outerShdw blurRad="40000" dist="23000" dir="5400000" rotWithShape="0">
+              <a:srgbClr val="000000">
+                <a:alpha val="35000"/>
+              </a:srgbClr>
+            </a:outerShdw>
+          </a:effectLst>
+        </a:effectStyle>
+        <a:effectStyle>
+          <a:effectLst>
+            <a:outerShdw blurRad="40000" dist="23000" dir="5400000" rotWithShape="0">
+              <a:srgbClr val="000000">
+                <a:alpha val="35000"/>
+              </a:srgbClr>
+            </a:outerShdw>
+          </a:effectLst>
+          <a:scene3d>
+            <a:camera prst="orthographicFront">
+              <a:rot lat="0" lon="0" rev="0"/>
+            </a:camera>
+            <a:lightRig rig="threePt" dir="t">
+              <a:rot lat="0" lon="0" rev="1200000"/>
+            </a:lightRig>
+          </a:scene3d>
+          <a:sp3d>
+            <a:bevelT w="63500" h="25400"/>
+          </a:sp3d>
+        </a:effectStyle>
+      </a:effectStyleLst>
+      <a:bgFillStyleLst>
+        <a:solidFill>
+          <a:schemeClr val="phClr"/>
+        </a:solidFill>
+        <a:gradFill rotWithShape="1">
+          <a:gsLst>
+            <a:gs pos="0">
+              <a:schemeClr val="phClr">
+                <a:tint val="40000"/>
+                <a:satMod val="350000"/>
+              </a:schemeClr>
+            </a:gs>
+            <a:gs pos="40000">
+              <a:schemeClr val="phClr">
+                <a:tint val="45000"/>
+                <a:shade val="99000"/>
+                <a:satMod val="350000"/>
+              </a:schemeClr>
+            </a:gs>
+            <a:gs pos="100000">
+              <a:schemeClr val="phClr">
+                <a:shade val="20000"/>
+                <a:satMod val="255000"/>
+              </a:schemeClr>
+            </a:gs>
+          </a:gsLst>
+          <a:path path="circle">
+            <a:fillToRect l="50000" t="-80000" r="50000" b="180000"/>
+          </a:path>
+        </a:gradFill>
+        <a:gradFill rotWithShape="1">
+          <a:gsLst>
+            <a:gs pos="0">
+              <a:schemeClr val="phClr">
+                <a:tint val="80000"/>
+                <a:satMod val="300000"/>
+              </a:schemeClr>
+            </a:gs>
+            <a:gs pos="100000">
+              <a:schemeClr val="phClr">
+                <a:shade val="30000"/>
+                <a:satMod val="200000"/>
+              </a:schemeClr>
+            </a:gs>
+          </a:gsLst>
+          <a:path path="circle">
+            <a:fillToRect l="50000" t="50000" r="50000" b="50000"/>
+          </a:path>
+        </a:gradFill>
+      </a:bgFillStyleLst>
+    </a:fmtScheme>
+  </a:themeElements>
+</a:theme>
+</file>
+
+<file path=ppt/theme/theme2.xml><?xml version="1.0" encoding="utf-8"?>
 <a:theme xmlns:a="http://schemas.openxmlformats.org/drawingml/2006/main" xmlns:r="http://schemas.openxmlformats.org/officeDocument/2006/relationships" name="Paradigm">
   <a:themeElements>
     <a:clrScheme name="Paradigm">
@@ -12023,283 +12227,4 @@
     </a:fmtScheme>
   </a:themeElements>
 </a:theme>
-</file>
-
-<file path=ppt/theme/theme2.xml><?xml version="1.0" encoding="utf-8"?>
-<a:theme xmlns:a="http://schemas.openxmlformats.org/drawingml/2006/main" xmlns:r="http://schemas.openxmlformats.org/officeDocument/2006/relationships">
-  <a:themeElements>
-    <a:clrScheme name="Default">
-      <a:dk1>
-        <a:srgbClr val="000000"/>
-      </a:dk1>
-      <a:lt1>
-        <a:srgbClr val="FFFFFF"/>
-      </a:lt1>
-      <a:dk2>
-        <a:srgbClr val="158158"/>
-      </a:dk2>
-      <a:lt2>
-        <a:srgbClr val="F3F3F3"/>
-      </a:lt2>
-      <a:accent1>
-        <a:srgbClr val="058DC7"/>
-      </a:accent1>
-      <a:accent2>
-        <a:srgbClr val="50B432"/>
-      </a:accent2>
-      <a:accent3>
-        <a:srgbClr val="ED561B"/>
-      </a:accent3>
-      <a:accent4>
-        <a:srgbClr val="EDEF00"/>
-      </a:accent4>
-      <a:accent5>
-        <a:srgbClr val="24CBE5"/>
-      </a:accent5>
-      <a:accent6>
-        <a:srgbClr val="64E572"/>
-      </a:accent6>
-      <a:hlink>
-        <a:srgbClr val="2200CC"/>
-      </a:hlink>
-      <a:folHlink>
-        <a:srgbClr val="551A8B"/>
-      </a:folHlink>
-    </a:clrScheme>
-    <a:fontScheme name="Office">
-      <a:majorFont>
-        <a:latin typeface="Arial"/>
-        <a:ea typeface=""/>
-        <a:cs typeface=""/>
-        <a:font script="Jpan" typeface="ＭＳ Ｐゴシック"/>
-        <a:font script="Hang" typeface="맑은 고딕"/>
-        <a:font script="Hans" typeface="宋体"/>
-        <a:font script="Hant" typeface="新細明體"/>
-        <a:font script="Arab" typeface="Times New Roman"/>
-        <a:font script="Hebr" typeface="Times New Roman"/>
-        <a:font script="Thai" typeface="Angsana New"/>
-        <a:font script="Ethi" typeface="Nyala"/>
-        <a:font script="Beng" typeface="Vrinda"/>
-        <a:font script="Gujr" typeface="Shruti"/>
-        <a:font script="Khmr" typeface="MoolBoran"/>
-        <a:font script="Knda" typeface="Tunga"/>
-        <a:font script="Guru" typeface="Raavi"/>
-        <a:font script="Cans" typeface="Euphemia"/>
-        <a:font script="Cher" typeface="Plantagenet Cherokee"/>
-        <a:font script="Yiii" typeface="Microsoft Yi Baiti"/>
-        <a:font script="Tibt" typeface="Microsoft Himalaya"/>
-        <a:font script="Thaa" typeface="MV Boli"/>
-        <a:font script="Deva" typeface="Mangal"/>
-        <a:font script="Telu" typeface="Gautami"/>
-        <a:font script="Taml" typeface="Latha"/>
-        <a:font script="Syrc" typeface="Estrangelo Edessa"/>
-        <a:font script="Orya" typeface="Kalinga"/>
-        <a:font script="Mlym" typeface="Kartika"/>
-        <a:font script="Laoo" typeface="DokChampa"/>
-        <a:font script="Sinh" typeface="Iskoola Pota"/>
-        <a:font script="Mong" typeface="Mongolian Baiti"/>
-        <a:font script="Viet" typeface="Times New Roman"/>
-        <a:font script="Uigh" typeface="Microsoft Uighur"/>
-        <a:font script="Geor" typeface="Sylfaen"/>
-      </a:majorFont>
-      <a:minorFont>
-        <a:latin typeface="Arial"/>
-        <a:ea typeface=""/>
-        <a:cs typeface=""/>
-        <a:font script="Jpan" typeface="ＭＳ Ｐゴシック"/>
-        <a:font script="Hang" typeface="맑은 고딕"/>
-        <a:font script="Hans" typeface="宋体"/>
-        <a:font script="Hant" typeface="新細明體"/>
-        <a:font script="Arab" typeface="Arial"/>
-        <a:font script="Hebr" typeface="Arial"/>
-        <a:font script="Thai" typeface="Cordia New"/>
-        <a:font script="Ethi" typeface="Nyala"/>
-        <a:font script="Beng" typeface="Vrinda"/>
-        <a:font script="Gujr" typeface="Shruti"/>
-        <a:font script="Khmr" typeface="DaunPenh"/>
-        <a:font script="Knda" typeface="Tunga"/>
-        <a:font script="Guru" typeface="Raavi"/>
-        <a:font script="Cans" typeface="Euphemia"/>
-        <a:font script="Cher" typeface="Plantagenet Cherokee"/>
-        <a:font script="Yiii" typeface="Microsoft Yi Baiti"/>
-        <a:font script="Tibt" typeface="Microsoft Himalaya"/>
-        <a:font script="Thaa" typeface="MV Boli"/>
-        <a:font script="Deva" typeface="Mangal"/>
-        <a:font script="Telu" typeface="Gautami"/>
-        <a:font script="Taml" typeface="Latha"/>
-        <a:font script="Syrc" typeface="Estrangelo Edessa"/>
-        <a:font script="Orya" typeface="Kalinga"/>
-        <a:font script="Mlym" typeface="Kartika"/>
-        <a:font script="Laoo" typeface="DokChampa"/>
-        <a:font script="Sinh" typeface="Iskoola Pota"/>
-        <a:font script="Mong" typeface="Mongolian Baiti"/>
-        <a:font script="Viet" typeface="Arial"/>
-        <a:font script="Uigh" typeface="Microsoft Uighur"/>
-        <a:font script="Geor" typeface="Sylfaen"/>
-      </a:minorFont>
-    </a:fontScheme>
-    <a:fmtScheme name="Office">
-      <a:fillStyleLst>
-        <a:solidFill>
-          <a:schemeClr val="phClr"/>
-        </a:solidFill>
-        <a:gradFill rotWithShape="1">
-          <a:gsLst>
-            <a:gs pos="0">
-              <a:schemeClr val="phClr">
-                <a:tint val="50000"/>
-                <a:satMod val="300000"/>
-              </a:schemeClr>
-            </a:gs>
-            <a:gs pos="35000">
-              <a:schemeClr val="phClr">
-                <a:tint val="37000"/>
-                <a:satMod val="300000"/>
-              </a:schemeClr>
-            </a:gs>
-            <a:gs pos="100000">
-              <a:schemeClr val="phClr">
-                <a:tint val="15000"/>
-                <a:satMod val="350000"/>
-              </a:schemeClr>
-            </a:gs>
-          </a:gsLst>
-          <a:lin ang="16200000" scaled="1"/>
-        </a:gradFill>
-        <a:gradFill rotWithShape="1">
-          <a:gsLst>
-            <a:gs pos="0">
-              <a:schemeClr val="phClr">
-                <a:tint val="100000"/>
-                <a:shade val="100000"/>
-                <a:satMod val="130000"/>
-              </a:schemeClr>
-            </a:gs>
-            <a:gs pos="100000">
-              <a:schemeClr val="phClr">
-                <a:tint val="50000"/>
-                <a:shade val="100000"/>
-                <a:satMod val="350000"/>
-              </a:schemeClr>
-            </a:gs>
-          </a:gsLst>
-          <a:lin ang="16200000" scaled="0"/>
-        </a:gradFill>
-      </a:fillStyleLst>
-      <a:lnStyleLst>
-        <a:ln w="9525" cap="flat" cmpd="sng" algn="ctr">
-          <a:solidFill>
-            <a:schemeClr val="phClr">
-              <a:shade val="95000"/>
-              <a:satMod val="105000"/>
-            </a:schemeClr>
-          </a:solidFill>
-          <a:prstDash val="solid"/>
-        </a:ln>
-        <a:ln w="25400" cap="flat" cmpd="sng" algn="ctr">
-          <a:solidFill>
-            <a:schemeClr val="phClr"/>
-          </a:solidFill>
-          <a:prstDash val="solid"/>
-        </a:ln>
-        <a:ln w="38100" cap="flat" cmpd="sng" algn="ctr">
-          <a:solidFill>
-            <a:schemeClr val="phClr"/>
-          </a:solidFill>
-          <a:prstDash val="solid"/>
-        </a:ln>
-      </a:lnStyleLst>
-      <a:effectStyleLst>
-        <a:effectStyle>
-          <a:effectLst>
-            <a:outerShdw blurRad="40000" dist="20000" dir="5400000" rotWithShape="0">
-              <a:srgbClr val="000000">
-                <a:alpha val="38000"/>
-              </a:srgbClr>
-            </a:outerShdw>
-          </a:effectLst>
-        </a:effectStyle>
-        <a:effectStyle>
-          <a:effectLst>
-            <a:outerShdw blurRad="40000" dist="23000" dir="5400000" rotWithShape="0">
-              <a:srgbClr val="000000">
-                <a:alpha val="35000"/>
-              </a:srgbClr>
-            </a:outerShdw>
-          </a:effectLst>
-        </a:effectStyle>
-        <a:effectStyle>
-          <a:effectLst>
-            <a:outerShdw blurRad="40000" dist="23000" dir="5400000" rotWithShape="0">
-              <a:srgbClr val="000000">
-                <a:alpha val="35000"/>
-              </a:srgbClr>
-            </a:outerShdw>
-          </a:effectLst>
-          <a:scene3d>
-            <a:camera prst="orthographicFront">
-              <a:rot lat="0" lon="0" rev="0"/>
-            </a:camera>
-            <a:lightRig rig="threePt" dir="t">
-              <a:rot lat="0" lon="0" rev="1200000"/>
-            </a:lightRig>
-          </a:scene3d>
-          <a:sp3d>
-            <a:bevelT w="63500" h="25400"/>
-          </a:sp3d>
-        </a:effectStyle>
-      </a:effectStyleLst>
-      <a:bgFillStyleLst>
-        <a:solidFill>
-          <a:schemeClr val="phClr"/>
-        </a:solidFill>
-        <a:gradFill rotWithShape="1">
-          <a:gsLst>
-            <a:gs pos="0">
-              <a:schemeClr val="phClr">
-                <a:tint val="40000"/>
-                <a:satMod val="350000"/>
-              </a:schemeClr>
-            </a:gs>
-            <a:gs pos="40000">
-              <a:schemeClr val="phClr">
-                <a:tint val="45000"/>
-                <a:shade val="99000"/>
-                <a:satMod val="350000"/>
-              </a:schemeClr>
-            </a:gs>
-            <a:gs pos="100000">
-              <a:schemeClr val="phClr">
-                <a:shade val="20000"/>
-                <a:satMod val="255000"/>
-              </a:schemeClr>
-            </a:gs>
-          </a:gsLst>
-          <a:path path="circle">
-            <a:fillToRect l="50000" t="-80000" r="50000" b="180000"/>
-          </a:path>
-        </a:gradFill>
-        <a:gradFill rotWithShape="1">
-          <a:gsLst>
-            <a:gs pos="0">
-              <a:schemeClr val="phClr">
-                <a:tint val="80000"/>
-                <a:satMod val="300000"/>
-              </a:schemeClr>
-            </a:gs>
-            <a:gs pos="100000">
-              <a:schemeClr val="phClr">
-                <a:shade val="30000"/>
-                <a:satMod val="200000"/>
-              </a:schemeClr>
-            </a:gs>
-          </a:gsLst>
-          <a:path path="circle">
-            <a:fillToRect l="50000" t="50000" r="50000" b="50000"/>
-          </a:path>
-        </a:gradFill>
-      </a:bgFillStyleLst>
-    </a:fmtScheme>
-  </a:themeElements>
-</a:theme>
 </file>
--- a/ep4-VictorAraujo-LuizGirotto/Apresentação_ EP4 (MAC0352).pptx
+++ b/ep4-VictorAraujo-LuizGirotto/Apresentação_ EP4 (MAC0352).pptx
@@ -25,30 +25,32 @@
     <p:sldId id="270" r:id="rId21"/>
     <p:sldId id="271" r:id="rId22"/>
     <p:sldId id="272" r:id="rId23"/>
+    <p:sldId id="273" r:id="rId24"/>
+    <p:sldId id="274" r:id="rId25"/>
   </p:sldIdLst>
   <p:sldSz cy="5143500" cx="9144000"/>
   <p:notesSz cx="6858000" cy="9144000"/>
   <p:embeddedFontLst>
     <p:embeddedFont>
       <p:font typeface="Roboto"/>
-      <p:regular r:id="rId24"/>
-      <p:bold r:id="rId25"/>
-      <p:italic r:id="rId26"/>
-      <p:boldItalic r:id="rId27"/>
+      <p:regular r:id="rId26"/>
+      <p:bold r:id="rId27"/>
+      <p:italic r:id="rId28"/>
+      <p:boldItalic r:id="rId29"/>
     </p:embeddedFont>
     <p:embeddedFont>
       <p:font typeface="Montserrat"/>
-      <p:regular r:id="rId28"/>
-      <p:bold r:id="rId29"/>
-      <p:italic r:id="rId30"/>
-      <p:boldItalic r:id="rId31"/>
+      <p:regular r:id="rId30"/>
+      <p:bold r:id="rId31"/>
+      <p:italic r:id="rId32"/>
+      <p:boldItalic r:id="rId33"/>
     </p:embeddedFont>
     <p:embeddedFont>
       <p:font typeface="Merriweather"/>
-      <p:regular r:id="rId32"/>
-      <p:bold r:id="rId33"/>
-      <p:italic r:id="rId34"/>
-      <p:boldItalic r:id="rId35"/>
+      <p:regular r:id="rId34"/>
+      <p:bold r:id="rId35"/>
+      <p:italic r:id="rId36"/>
+      <p:boldItalic r:id="rId37"/>
     </p:embeddedFont>
   </p:embeddedFontLst>
   <p:defaultTextStyle>
@@ -301,7 +303,7 @@
 
 <file path=ppt/commentAuthors.xml><?xml version="1.0" encoding="utf-8"?>
 <p:cmAuthorLst xmlns:a="http://schemas.openxmlformats.org/drawingml/2006/main" xmlns:r="http://schemas.openxmlformats.org/officeDocument/2006/relationships" xmlns:mc="http://schemas.openxmlformats.org/markup-compatibility/2006" xmlns:mv="urn:schemas-microsoft-com:mac:vml" xmlns:p="http://schemas.openxmlformats.org/presentationml/2006/main" xmlns:c="http://schemas.openxmlformats.org/drawingml/2006/chart" xmlns:dgm="http://schemas.openxmlformats.org/drawingml/2006/diagram" xmlns:o="urn:schemas-microsoft-com:office:office" xmlns:v="urn:schemas-microsoft-com:vml" xmlns:pvml="urn:schemas-microsoft-com:office:powerpoint" xmlns:com="http://schemas.openxmlformats.org/drawingml/2006/compatibility" xmlns:p14="http://schemas.microsoft.com/office/powerpoint/2010/main" xmlns:p15="http://schemas.microsoft.com/office/powerpoint/2012/main">
-  <p:cmAuthor clrIdx="0" id="0" initials="" lastIdx="14" name="Luiz Girotto"/>
+  <p:cmAuthor clrIdx="0" id="0" initials="" lastIdx="17" name="Luiz Girotto"/>
 </p:cmAuthorLst>
 </file>
 
@@ -409,7 +411,25 @@
 
 <file path=ppt/comments/comment7.xml><?xml version="1.0" encoding="utf-8"?>
 <p:cmLst xmlns:a="http://schemas.openxmlformats.org/drawingml/2006/main" xmlns:r="http://schemas.openxmlformats.org/officeDocument/2006/relationships" xmlns:mc="http://schemas.openxmlformats.org/markup-compatibility/2006" xmlns:mv="urn:schemas-microsoft-com:mac:vml" xmlns:p="http://schemas.openxmlformats.org/presentationml/2006/main" xmlns:c="http://schemas.openxmlformats.org/drawingml/2006/chart" xmlns:dgm="http://schemas.openxmlformats.org/drawingml/2006/diagram" xmlns:o="urn:schemas-microsoft-com:office:office" xmlns:v="urn:schemas-microsoft-com:vml" xmlns:pvml="urn:schemas-microsoft-com:office:powerpoint" xmlns:com="http://schemas.openxmlformats.org/drawingml/2006/compatibility" xmlns:p14="http://schemas.microsoft.com/office/powerpoint/2010/main" xmlns:p15="http://schemas.microsoft.com/office/powerpoint/2012/main">
-  <p:cm authorId="0" idx="13" dt="2019-11-30T15:29:54.370">
+  <p:cm authorId="0" idx="13" dt="2019-12-04T20:31:19.316">
+    <p:pos x="196" y="948"/>
+    <p:text>"From a security prospective, responsible disclosure is, in my opinion, the best road to security. In this sense, in the coming month we will be working on setting up guidelines and procedures in case anyone discovers a new security issue."</p:text>
+  </p:cm>
+  <p:cm authorId="0" idx="14" dt="2019-12-04T20:29:20.557">
+    <p:pos x="196" y="1048"/>
+    <p:text>"Few weeks ago, I noticed by chance that passing a specific array of bytes to bytes2var() crashed the engine."</p:text>
+  </p:cm>
+  <p:cm authorId="0" idx="15" dt="2019-12-04T20:41:37.173">
+    <p:pos x="196" y="1148"/>
+    <p:text>I decided to privately contact few other developers (@reduz, @akien-mga, @hpvb, @karroffel) and we agreed to embargo this issue while we worked on a fix.
+If you are reading this, patches are are already available (so this issue is actually closed), and updated binaries are available for download at the official Godot website.</p:text>
+  </p:cm>
+</p:cmLst>
+</file>
+
+<file path=ppt/comments/comment8.xml><?xml version="1.0" encoding="utf-8"?>
+<p:cmLst xmlns:a="http://schemas.openxmlformats.org/drawingml/2006/main" xmlns:r="http://schemas.openxmlformats.org/officeDocument/2006/relationships" xmlns:mc="http://schemas.openxmlformats.org/markup-compatibility/2006" xmlns:mv="urn:schemas-microsoft-com:mac:vml" xmlns:p="http://schemas.openxmlformats.org/presentationml/2006/main" xmlns:c="http://schemas.openxmlformats.org/drawingml/2006/chart" xmlns:dgm="http://schemas.openxmlformats.org/drawingml/2006/diagram" xmlns:o="urn:schemas-microsoft-com:office:office" xmlns:v="urn:schemas-microsoft-com:vml" xmlns:pvml="urn:schemas-microsoft-com:office:powerpoint" xmlns:com="http://schemas.openxmlformats.org/drawingml/2006/compatibility" xmlns:p14="http://schemas.microsoft.com/office/powerpoint/2010/main" xmlns:p15="http://schemas.microsoft.com/office/powerpoint/2012/main">
+  <p:cm authorId="0" idx="16" dt="2019-11-30T15:29:54.370">
     <p:pos x="196" y="948"/>
     <p:text>Transicionar para o editor, no qual será explicado um pouco do código. Os pontos mais importantes para ser explicados são os dois modos de fala (regular e RAW), e a função bytes2var, e como ela relaciona-se com o código de (de)serialização anteriormente visto.
 Após demonstrar o sistema operacional fechando a engine, explicar o packet que mandamos. Segundo a API de serialização binária (https://docs.godotengine.org/en/3.1/tutorials/misc/binary_serialization_api.html), os 4 primeiros bytes de um pacote representam o tipo de variável sendo encoded, e os 4 bytes seguintes representam o tamanho total desta variável. Note que todos os valores são dados em representação little-endian, o que significa que o byte mais significativo é o último, nesta representação.
@@ -418,9 +438,9 @@
 </p:cmLst>
 </file>
 
-<file path=ppt/comments/comment8.xml><?xml version="1.0" encoding="utf-8"?>
+<file path=ppt/comments/comment9.xml><?xml version="1.0" encoding="utf-8"?>
 <p:cmLst xmlns:a="http://schemas.openxmlformats.org/drawingml/2006/main" xmlns:r="http://schemas.openxmlformats.org/officeDocument/2006/relationships" xmlns:mc="http://schemas.openxmlformats.org/markup-compatibility/2006" xmlns:mv="urn:schemas-microsoft-com:mac:vml" xmlns:p="http://schemas.openxmlformats.org/presentationml/2006/main" xmlns:c="http://schemas.openxmlformats.org/drawingml/2006/chart" xmlns:dgm="http://schemas.openxmlformats.org/drawingml/2006/diagram" xmlns:o="urn:schemas-microsoft-com:office:office" xmlns:v="urn:schemas-microsoft-com:vml" xmlns:pvml="urn:schemas-microsoft-com:office:powerpoint" xmlns:com="http://schemas.openxmlformats.org/drawingml/2006/compatibility" xmlns:p14="http://schemas.microsoft.com/office/powerpoint/2010/main" xmlns:p15="http://schemas.microsoft.com/office/powerpoint/2012/main">
-  <p:cm authorId="0" idx="14" dt="2019-11-30T15:35:22.966">
+  <p:cm authorId="0" idx="17" dt="2019-11-30T15:35:22.966">
     <p:pos x="196" y="948"/>
     <p:text>Segundo um dos autores do fix, tratar problemas de segurança com "divulgação responsável" é o caminho correto. Ou seja, o fato do problema ter sido divulgado para um grupo seleto de programadores, para que fosse consertado antes de ser divulgado para o público geral, é o caminho correto segundo o autor da correção.</p:text>
   </p:cm>
@@ -1450,7 +1470,7 @@
       </p:grpSpPr>
       <p:sp>
         <p:nvSpPr>
-          <p:cNvPr id="127" name="Google Shape;127;g6bc268fb53_1_41:notes"/>
+          <p:cNvPr id="127" name="Google Shape;127;g6bfc574eb4_2_0:notes"/>
           <p:cNvSpPr/>
           <p:nvPr>
             <p:ph idx="2" type="sldImg"/>
@@ -1485,7 +1505,7 @@
       </p:sp>
       <p:sp>
         <p:nvSpPr>
-          <p:cNvPr id="128" name="Google Shape;128;g6bc268fb53_1_41:notes"/>
+          <p:cNvPr id="128" name="Google Shape;128;g6bfc574eb4_2_0:notes"/>
           <p:cNvSpPr txBox="1"/>
           <p:nvPr>
             <p:ph idx="1" type="body"/>
@@ -1516,40 +1536,7 @@
               <a:buNone/>
             </a:pPr>
             <a:r>
-              <a:rPr lang="en"/>
-              <a:t>Transicionar para o editor, no qual será explicado um pouco do código. Os pontos mais importantes para ser explicados são os dois modos de fala (regular e RAW), e a função bytes2var, e como ela relaciona-se com o código de (de)serialização anteriormente visto.</a:t>
-            </a:r>
-            <a:endParaRPr/>
-          </a:p>
-          <a:p>
-            <a:pPr indent="0" lvl="0" marL="0" rtl="0" algn="l">
-              <a:spcBef>
-                <a:spcPts val="0"/>
-              </a:spcBef>
-              <a:spcAft>
-                <a:spcPts val="0"/>
-              </a:spcAft>
-              <a:buNone/>
-            </a:pPr>
-            <a:r>
-              <a:rPr lang="en"/>
-              <a:t>Após demonstrar o sistema operacional fechando a engine, explicar o packet que mandamos. Segundo a API de serialização binária (https://docs.godotengine.org/en/3.1/tutorials/misc/binary_serialization_api.html), os 4 primeiros bytes de um pacote representam o tipo de variável sendo encoded, e os 4 bytes seguintes representam o tamanho total desta variável. Note que todos os valores são dados em representação little-endian, o que significa que o byte mais significativo é o último, nesta representação.</a:t>
-            </a:r>
-            <a:endParaRPr/>
-          </a:p>
-          <a:p>
-            <a:pPr indent="0" lvl="0" marL="0" rtl="0" algn="l">
-              <a:spcBef>
-                <a:spcPts val="0"/>
-              </a:spcBef>
-              <a:spcAft>
-                <a:spcPts val="0"/>
-              </a:spcAft>
-              <a:buNone/>
-            </a:pPr>
-            <a:r>
-              <a:rPr lang="en"/>
-              <a:t>Explicar então o significado do packet of death, e seguir para a explicação do fix.</a:t>
+              <a:t/>
             </a:r>
             <a:endParaRPr/>
           </a:p>
@@ -1582,7 +1569,7 @@
       </p:grpSpPr>
       <p:sp>
         <p:nvSpPr>
-          <p:cNvPr id="133" name="Google Shape;133;g6bc7fefe87_0_6:notes"/>
+          <p:cNvPr id="133" name="Google Shape;133;g6bc268fb53_1_41:notes"/>
           <p:cNvSpPr/>
           <p:nvPr>
             <p:ph idx="2" type="sldImg"/>
@@ -1617,7 +1604,7 @@
       </p:sp>
       <p:sp>
         <p:nvSpPr>
-          <p:cNvPr id="134" name="Google Shape;134;g6bc7fefe87_0_6:notes"/>
+          <p:cNvPr id="134" name="Google Shape;134;g6bc268fb53_1_41:notes"/>
           <p:cNvSpPr txBox="1"/>
           <p:nvPr>
             <p:ph idx="1" type="body"/>
@@ -1648,7 +1635,40 @@
               <a:buNone/>
             </a:pPr>
             <a:r>
-              <a:t/>
+              <a:rPr lang="en"/>
+              <a:t>Transicionar para o editor, no qual será explicado um pouco do código. Os pontos mais importantes para ser explicados são os dois modos de fala (regular e RAW), e a função bytes2var, e como ela relaciona-se com o código de (de)serialização anteriormente visto.</a:t>
+            </a:r>
+            <a:endParaRPr/>
+          </a:p>
+          <a:p>
+            <a:pPr indent="0" lvl="0" marL="0" rtl="0" algn="l">
+              <a:spcBef>
+                <a:spcPts val="0"/>
+              </a:spcBef>
+              <a:spcAft>
+                <a:spcPts val="0"/>
+              </a:spcAft>
+              <a:buNone/>
+            </a:pPr>
+            <a:r>
+              <a:rPr lang="en"/>
+              <a:t>Após demonstrar o sistema operacional fechando a engine, explicar o packet que mandamos. Segundo a API de serialização binária (https://docs.godotengine.org/en/3.1/tutorials/misc/binary_serialization_api.html), os 4 primeiros bytes de um pacote representam o tipo de variável sendo encoded, e os 4 bytes seguintes representam o tamanho total desta variável. Note que todos os valores são dados em representação little-endian, o que significa que o byte mais significativo é o último, nesta representação.</a:t>
+            </a:r>
+            <a:endParaRPr/>
+          </a:p>
+          <a:p>
+            <a:pPr indent="0" lvl="0" marL="0" rtl="0" algn="l">
+              <a:spcBef>
+                <a:spcPts val="0"/>
+              </a:spcBef>
+              <a:spcAft>
+                <a:spcPts val="0"/>
+              </a:spcAft>
+              <a:buNone/>
+            </a:pPr>
+            <a:r>
+              <a:rPr lang="en"/>
+              <a:t>Explicar então o significado do packet of death, e seguir para a explicação do fix.</a:t>
             </a:r>
             <a:endParaRPr/>
           </a:p>
@@ -1667,7 +1687,7 @@
   <p:cSld>
     <p:spTree>
       <p:nvGrpSpPr>
-        <p:cNvPr id="137" name="Shape 137"/>
+        <p:cNvPr id="138" name="Shape 138"/>
         <p:cNvGrpSpPr/>
         <p:nvPr/>
       </p:nvGrpSpPr>
@@ -1681,7 +1701,7 @@
       </p:grpSpPr>
       <p:sp>
         <p:nvSpPr>
-          <p:cNvPr id="138" name="Google Shape;138;g6bc268fb53_1_46:notes"/>
+          <p:cNvPr id="139" name="Google Shape;139;g6bc7fefe87_0_6:notes"/>
           <p:cNvSpPr/>
           <p:nvPr>
             <p:ph idx="2" type="sldImg"/>
@@ -1716,7 +1736,7 @@
       </p:sp>
       <p:sp>
         <p:nvSpPr>
-          <p:cNvPr id="139" name="Google Shape;139;g6bc268fb53_1_46:notes"/>
+          <p:cNvPr id="140" name="Google Shape;140;g6bc7fefe87_0_6:notes"/>
           <p:cNvSpPr txBox="1"/>
           <p:nvPr>
             <p:ph idx="1" type="body"/>
@@ -1780,7 +1800,7 @@
       </p:grpSpPr>
       <p:sp>
         <p:nvSpPr>
-          <p:cNvPr id="144" name="Google Shape;144;g6bc268fb53_1_51:notes"/>
+          <p:cNvPr id="144" name="Google Shape;144;g6bc268fb53_1_46:notes"/>
           <p:cNvSpPr/>
           <p:nvPr>
             <p:ph idx="2" type="sldImg"/>
@@ -1815,7 +1835,7 @@
       </p:sp>
       <p:sp>
         <p:nvSpPr>
-          <p:cNvPr id="145" name="Google Shape;145;g6bc268fb53_1_51:notes"/>
+          <p:cNvPr id="145" name="Google Shape;145;g6bc268fb53_1_46:notes"/>
           <p:cNvSpPr txBox="1"/>
           <p:nvPr>
             <p:ph idx="1" type="body"/>
@@ -1879,7 +1899,7 @@
       </p:grpSpPr>
       <p:sp>
         <p:nvSpPr>
-          <p:cNvPr id="150" name="Google Shape;150;g6bc268fb53_1_56:notes"/>
+          <p:cNvPr id="150" name="Google Shape;150;g6bc268fb53_1_51:notes"/>
           <p:cNvSpPr/>
           <p:nvPr>
             <p:ph idx="2" type="sldImg"/>
@@ -1914,7 +1934,7 @@
       </p:sp>
       <p:sp>
         <p:nvSpPr>
-          <p:cNvPr id="151" name="Google Shape;151;g6bc268fb53_1_56:notes"/>
+          <p:cNvPr id="151" name="Google Shape;151;g6bc268fb53_1_51:notes"/>
           <p:cNvSpPr txBox="1"/>
           <p:nvPr>
             <p:ph idx="1" type="body"/>
@@ -1978,7 +1998,7 @@
       </p:grpSpPr>
       <p:sp>
         <p:nvSpPr>
-          <p:cNvPr id="156" name="Google Shape;156;g6bc7fefe87_0_12:notes"/>
+          <p:cNvPr id="156" name="Google Shape;156;g6bc268fb53_1_56:notes"/>
           <p:cNvSpPr/>
           <p:nvPr>
             <p:ph idx="2" type="sldImg"/>
@@ -2013,7 +2033,205 @@
       </p:sp>
       <p:sp>
         <p:nvSpPr>
-          <p:cNvPr id="157" name="Google Shape;157;g6bc7fefe87_0_12:notes"/>
+          <p:cNvPr id="157" name="Google Shape;157;g6bc268fb53_1_56:notes"/>
+          <p:cNvSpPr txBox="1"/>
+          <p:nvPr>
+            <p:ph idx="1" type="body"/>
+          </p:nvPr>
+        </p:nvSpPr>
+        <p:spPr>
+          <a:xfrm>
+            <a:off x="685800" y="4343400"/>
+            <a:ext cx="5486400" cy="4114800"/>
+          </a:xfrm>
+          <a:prstGeom prst="rect">
+            <a:avLst/>
+          </a:prstGeom>
+        </p:spPr>
+        <p:txBody>
+          <a:bodyPr anchorCtr="0" anchor="t" bIns="91425" lIns="91425" spcFirstLastPara="1" rIns="91425" wrap="square" tIns="91425">
+            <a:noAutofit/>
+          </a:bodyPr>
+          <a:lstStyle/>
+          <a:p>
+            <a:pPr indent="0" lvl="0" marL="0" rtl="0" algn="l">
+              <a:spcBef>
+                <a:spcPts val="0"/>
+              </a:spcBef>
+              <a:spcAft>
+                <a:spcPts val="0"/>
+              </a:spcAft>
+              <a:buNone/>
+            </a:pPr>
+            <a:r>
+              <a:t/>
+            </a:r>
+            <a:endParaRPr/>
+          </a:p>
+        </p:txBody>
+      </p:sp>
+    </p:spTree>
+  </p:cSld>
+  <p:clrMapOvr>
+    <a:masterClrMapping/>
+  </p:clrMapOvr>
+</p:notes>
+</file>
+
+<file path=ppt/notesSlides/notesSlide18.xml><?xml version="1.0" encoding="utf-8"?>
+<p:notes xmlns:a="http://schemas.openxmlformats.org/drawingml/2006/main" xmlns:r="http://schemas.openxmlformats.org/officeDocument/2006/relationships" xmlns:mc="http://schemas.openxmlformats.org/markup-compatibility/2006" xmlns:mv="urn:schemas-microsoft-com:mac:vml" xmlns:p="http://schemas.openxmlformats.org/presentationml/2006/main" xmlns:c="http://schemas.openxmlformats.org/drawingml/2006/chart" xmlns:dgm="http://schemas.openxmlformats.org/drawingml/2006/diagram" xmlns:o="urn:schemas-microsoft-com:office:office" xmlns:v="urn:schemas-microsoft-com:vml" xmlns:pvml="urn:schemas-microsoft-com:office:powerpoint" xmlns:com="http://schemas.openxmlformats.org/drawingml/2006/compatibility" xmlns:p14="http://schemas.microsoft.com/office/powerpoint/2010/main" xmlns:p15="http://schemas.microsoft.com/office/powerpoint/2012/main" showMasterPhAnim="0" showMasterSp="0">
+  <p:cSld>
+    <p:spTree>
+      <p:nvGrpSpPr>
+        <p:cNvPr id="161" name="Shape 161"/>
+        <p:cNvGrpSpPr/>
+        <p:nvPr/>
+      </p:nvGrpSpPr>
+      <p:grpSpPr>
+        <a:xfrm>
+          <a:off x="0" y="0"/>
+          <a:ext cx="0" cy="0"/>
+          <a:chOff x="0" y="0"/>
+          <a:chExt cx="0" cy="0"/>
+        </a:xfrm>
+      </p:grpSpPr>
+      <p:sp>
+        <p:nvSpPr>
+          <p:cNvPr id="162" name="Google Shape;162;g6bfc574eb4_1_0:notes"/>
+          <p:cNvSpPr/>
+          <p:nvPr>
+            <p:ph idx="2" type="sldImg"/>
+          </p:nvPr>
+        </p:nvSpPr>
+        <p:spPr>
+          <a:xfrm>
+            <a:off x="381300" y="685800"/>
+            <a:ext cx="6096000" cy="3429000"/>
+          </a:xfrm>
+          <a:custGeom>
+            <a:rect b="b" l="l" r="r" t="t"/>
+            <a:pathLst>
+              <a:path extrusionOk="0" h="120000" w="120000">
+                <a:moveTo>
+                  <a:pt x="0" y="0"/>
+                </a:moveTo>
+                <a:lnTo>
+                  <a:pt x="120000" y="0"/>
+                </a:lnTo>
+                <a:lnTo>
+                  <a:pt x="120000" y="120000"/>
+                </a:lnTo>
+                <a:lnTo>
+                  <a:pt x="0" y="120000"/>
+                </a:lnTo>
+                <a:close/>
+              </a:path>
+            </a:pathLst>
+          </a:custGeom>
+        </p:spPr>
+      </p:sp>
+      <p:sp>
+        <p:nvSpPr>
+          <p:cNvPr id="163" name="Google Shape;163;g6bfc574eb4_1_0:notes"/>
+          <p:cNvSpPr txBox="1"/>
+          <p:nvPr>
+            <p:ph idx="1" type="body"/>
+          </p:nvPr>
+        </p:nvSpPr>
+        <p:spPr>
+          <a:xfrm>
+            <a:off x="685800" y="4343400"/>
+            <a:ext cx="5486400" cy="4114800"/>
+          </a:xfrm>
+          <a:prstGeom prst="rect">
+            <a:avLst/>
+          </a:prstGeom>
+        </p:spPr>
+        <p:txBody>
+          <a:bodyPr anchorCtr="0" anchor="t" bIns="91425" lIns="91425" spcFirstLastPara="1" rIns="91425" wrap="square" tIns="91425">
+            <a:noAutofit/>
+          </a:bodyPr>
+          <a:lstStyle/>
+          <a:p>
+            <a:pPr indent="0" lvl="0" marL="0" rtl="0" algn="l">
+              <a:spcBef>
+                <a:spcPts val="0"/>
+              </a:spcBef>
+              <a:spcAft>
+                <a:spcPts val="0"/>
+              </a:spcAft>
+              <a:buNone/>
+            </a:pPr>
+            <a:r>
+              <a:t/>
+            </a:r>
+            <a:endParaRPr/>
+          </a:p>
+        </p:txBody>
+      </p:sp>
+    </p:spTree>
+  </p:cSld>
+  <p:clrMapOvr>
+    <a:masterClrMapping/>
+  </p:clrMapOvr>
+</p:notes>
+</file>
+
+<file path=ppt/notesSlides/notesSlide19.xml><?xml version="1.0" encoding="utf-8"?>
+<p:notes xmlns:a="http://schemas.openxmlformats.org/drawingml/2006/main" xmlns:r="http://schemas.openxmlformats.org/officeDocument/2006/relationships" xmlns:mc="http://schemas.openxmlformats.org/markup-compatibility/2006" xmlns:mv="urn:schemas-microsoft-com:mac:vml" xmlns:p="http://schemas.openxmlformats.org/presentationml/2006/main" xmlns:c="http://schemas.openxmlformats.org/drawingml/2006/chart" xmlns:dgm="http://schemas.openxmlformats.org/drawingml/2006/diagram" xmlns:o="urn:schemas-microsoft-com:office:office" xmlns:v="urn:schemas-microsoft-com:vml" xmlns:pvml="urn:schemas-microsoft-com:office:powerpoint" xmlns:com="http://schemas.openxmlformats.org/drawingml/2006/compatibility" xmlns:p14="http://schemas.microsoft.com/office/powerpoint/2010/main" xmlns:p15="http://schemas.microsoft.com/office/powerpoint/2012/main" showMasterPhAnim="0" showMasterSp="0">
+  <p:cSld>
+    <p:spTree>
+      <p:nvGrpSpPr>
+        <p:cNvPr id="167" name="Shape 167"/>
+        <p:cNvGrpSpPr/>
+        <p:nvPr/>
+      </p:nvGrpSpPr>
+      <p:grpSpPr>
+        <a:xfrm>
+          <a:off x="0" y="0"/>
+          <a:ext cx="0" cy="0"/>
+          <a:chOff x="0" y="0"/>
+          <a:chExt cx="0" cy="0"/>
+        </a:xfrm>
+      </p:grpSpPr>
+      <p:sp>
+        <p:nvSpPr>
+          <p:cNvPr id="168" name="Google Shape;168;g6bc7fefe87_0_12:notes"/>
+          <p:cNvSpPr/>
+          <p:nvPr>
+            <p:ph idx="2" type="sldImg"/>
+          </p:nvPr>
+        </p:nvSpPr>
+        <p:spPr>
+          <a:xfrm>
+            <a:off x="381300" y="685800"/>
+            <a:ext cx="6096000" cy="3429000"/>
+          </a:xfrm>
+          <a:custGeom>
+            <a:rect b="b" l="l" r="r" t="t"/>
+            <a:pathLst>
+              <a:path extrusionOk="0" h="120000" w="120000">
+                <a:moveTo>
+                  <a:pt x="0" y="0"/>
+                </a:moveTo>
+                <a:lnTo>
+                  <a:pt x="120000" y="0"/>
+                </a:lnTo>
+                <a:lnTo>
+                  <a:pt x="120000" y="120000"/>
+                </a:lnTo>
+                <a:lnTo>
+                  <a:pt x="0" y="120000"/>
+                </a:lnTo>
+                <a:close/>
+              </a:path>
+            </a:pathLst>
+          </a:custGeom>
+        </p:spPr>
+      </p:sp>
+      <p:sp>
+        <p:nvSpPr>
+          <p:cNvPr id="169" name="Google Shape;169;g6bc7fefe87_0_12:notes"/>
           <p:cNvSpPr txBox="1"/>
           <p:nvPr>
             <p:ph idx="1" type="body"/>
@@ -9229,7 +9447,7 @@
                 <a:cs typeface="Montserrat"/>
                 <a:sym typeface="Montserrat"/>
               </a:rPr>
-              <a:t> causando o vazamento de memória interna pela rede</a:t>
+              <a:t> causando o vazamento de memória interna pela rede.</a:t>
             </a:r>
             <a:endParaRPr sz="2400">
               <a:latin typeface="Montserrat"/>
@@ -9278,7 +9496,7 @@
                 <a:cs typeface="Montserrat"/>
                 <a:sym typeface="Montserrat"/>
               </a:rPr>
-              <a:t> a tentar alocar grandes quantidades de memória, e ser fechada pelo SO</a:t>
+              <a:t> a tentar alocar grandes quantidades de memória, e ser fechada pelo SO.</a:t>
             </a:r>
             <a:endParaRPr sz="2400">
               <a:latin typeface="Montserrat"/>
@@ -9456,7 +9674,7 @@
                 <a:cs typeface="Montserrat"/>
                 <a:sym typeface="Montserrat"/>
               </a:rPr>
-              <a:t>Demonstração</a:t>
+              <a:t>Descoberta e Divulgação</a:t>
             </a:r>
             <a:endParaRPr b="1" sz="3600">
               <a:latin typeface="Montserrat"/>
@@ -9490,9 +9708,9 @@
           </a:bodyPr>
           <a:lstStyle/>
           <a:p>
-            <a:pPr indent="-419100" lvl="0" marL="457200" rtl="0" algn="l">
+            <a:pPr indent="-381000" lvl="0" marL="457200" rtl="0" algn="l">
               <a:lnSpc>
-                <a:spcPct val="113000"/>
+                <a:spcPct val="112000"/>
               </a:lnSpc>
               <a:spcBef>
                 <a:spcPts val="0"/>
@@ -9500,29 +9718,38 @@
               <a:spcAft>
                 <a:spcPts val="0"/>
               </a:spcAft>
-              <a:buSzPts val="3000"/>
+              <a:buSzPts val="2400"/>
               <a:buFont typeface="Montserrat"/>
               <a:buChar char="●"/>
             </a:pPr>
             <a:r>
-              <a:rPr lang="en" sz="3000">
+              <a:rPr lang="en" sz="2400">
                 <a:latin typeface="Montserrat"/>
                 <a:ea typeface="Montserrat"/>
                 <a:cs typeface="Montserrat"/>
                 <a:sym typeface="Montserrat"/>
               </a:rPr>
-              <a:t>Será demonstrado somente um dos problemas mencionados: o </a:t>
-            </a:r>
-            <a:r>
-              <a:rPr i="1" lang="en" sz="3000">
+              <a:t>Descoberto por Fabio Alessandri (@Faless) </a:t>
+            </a:r>
+            <a:r>
+              <a:rPr lang="en" sz="2400">
                 <a:latin typeface="Montserrat"/>
                 <a:ea typeface="Montserrat"/>
                 <a:cs typeface="Montserrat"/>
                 <a:sym typeface="Montserrat"/>
               </a:rPr>
-              <a:t>packet of death</a:t>
-            </a:r>
-            <a:endParaRPr sz="3000">
+              <a:t>ocasionalmente</a:t>
+            </a:r>
+            <a:r>
+              <a:rPr lang="en" sz="2400">
+                <a:latin typeface="Montserrat"/>
+                <a:ea typeface="Montserrat"/>
+                <a:cs typeface="Montserrat"/>
+                <a:sym typeface="Montserrat"/>
+              </a:rPr>
+              <a:t>.</a:t>
+            </a:r>
+            <a:endParaRPr sz="2400">
               <a:latin typeface="Montserrat"/>
               <a:ea typeface="Montserrat"/>
               <a:cs typeface="Montserrat"/>
@@ -9530,9 +9757,9 @@
             </a:endParaRPr>
           </a:p>
           <a:p>
-            <a:pPr indent="-419100" lvl="0" marL="457200" rtl="0" algn="l">
+            <a:pPr indent="-381000" lvl="0" marL="457200" rtl="0" algn="l">
               <a:lnSpc>
-                <a:spcPct val="113000"/>
+                <a:spcPct val="112000"/>
               </a:lnSpc>
               <a:spcBef>
                 <a:spcPts val="3000"/>
@@ -9540,38 +9767,56 @@
               <a:spcAft>
                 <a:spcPts val="3000"/>
               </a:spcAft>
-              <a:buSzPts val="3000"/>
+              <a:buSzPts val="2400"/>
               <a:buFont typeface="Montserrat"/>
               <a:buChar char="●"/>
             </a:pPr>
             <a:r>
-              <a:rPr lang="en" sz="3000">
+              <a:rPr lang="en" sz="2400">
                 <a:latin typeface="Montserrat"/>
                 <a:ea typeface="Montserrat"/>
                 <a:cs typeface="Montserrat"/>
                 <a:sym typeface="Montserrat"/>
               </a:rPr>
-              <a:t>Foi feito um pequeno “</a:t>
-            </a:r>
-            <a:r>
-              <a:rPr lang="en" sz="3000">
+              <a:t>Divulgado </a:t>
+            </a:r>
+            <a:r>
+              <a:rPr lang="en" sz="2400">
                 <a:latin typeface="Montserrat"/>
                 <a:ea typeface="Montserrat"/>
                 <a:cs typeface="Montserrat"/>
                 <a:sym typeface="Montserrat"/>
               </a:rPr>
-              <a:t>jogo</a:t>
-            </a:r>
-            <a:r>
-              <a:rPr lang="en" sz="3000">
+              <a:t>somente após os problemas terem sido consertados</a:t>
+            </a:r>
+            <a:r>
+              <a:rPr lang="en" sz="2400">
                 <a:latin typeface="Montserrat"/>
                 <a:ea typeface="Montserrat"/>
                 <a:cs typeface="Montserrat"/>
                 <a:sym typeface="Montserrat"/>
               </a:rPr>
-              <a:t>” para demonstrar este problema, que será rodado na versão 3.0.0 da Godot</a:t>
-            </a:r>
-            <a:endParaRPr sz="3000">
+              <a:t>. “</a:t>
+            </a:r>
+            <a:r>
+              <a:rPr lang="en" sz="2400">
+                <a:latin typeface="Montserrat"/>
+                <a:ea typeface="Montserrat"/>
+                <a:cs typeface="Montserrat"/>
+                <a:sym typeface="Montserrat"/>
+              </a:rPr>
+              <a:t>Divulgação responsável</a:t>
+            </a:r>
+            <a:r>
+              <a:rPr lang="en" sz="2400">
+                <a:latin typeface="Montserrat"/>
+                <a:ea typeface="Montserrat"/>
+                <a:cs typeface="Montserrat"/>
+                <a:sym typeface="Montserrat"/>
+              </a:rPr>
+              <a:t>” é o caminho correto nestes casos, segundo o desenvolvedor.</a:t>
+            </a:r>
+            <a:endParaRPr sz="2400">
               <a:latin typeface="Montserrat"/>
               <a:ea typeface="Montserrat"/>
               <a:cs typeface="Montserrat"/>
@@ -9616,7 +9861,7 @@
         <p:spPr>
           <a:xfrm>
             <a:off x="0" y="0"/>
-            <a:ext cx="9144000" cy="5143500"/>
+            <a:ext cx="9144000" cy="1271700"/>
           </a:xfrm>
           <a:prstGeom prst="rect">
             <a:avLst/>
@@ -9638,15 +9883,128 @@
               <a:buNone/>
             </a:pPr>
             <a:r>
-              <a:rPr b="1" lang="en" sz="7200">
+              <a:rPr b="1" lang="en" sz="3600">
                 <a:latin typeface="Montserrat"/>
                 <a:ea typeface="Montserrat"/>
                 <a:cs typeface="Montserrat"/>
                 <a:sym typeface="Montserrat"/>
               </a:rPr>
-              <a:t>A Correção</a:t>
-            </a:r>
-            <a:endParaRPr b="1" sz="7200">
+              <a:t>Demonstração</a:t>
+            </a:r>
+            <a:endParaRPr b="1" sz="3600">
+              <a:latin typeface="Montserrat"/>
+              <a:ea typeface="Montserrat"/>
+              <a:cs typeface="Montserrat"/>
+              <a:sym typeface="Montserrat"/>
+            </a:endParaRPr>
+          </a:p>
+        </p:txBody>
+      </p:sp>
+      <p:sp>
+        <p:nvSpPr>
+          <p:cNvPr id="137" name="Google Shape;137;p25"/>
+          <p:cNvSpPr txBox="1"/>
+          <p:nvPr>
+            <p:ph idx="1" type="body"/>
+          </p:nvPr>
+        </p:nvSpPr>
+        <p:spPr>
+          <a:xfrm>
+            <a:off x="311700" y="1505700"/>
+            <a:ext cx="8520600" cy="3505200"/>
+          </a:xfrm>
+          <a:prstGeom prst="rect">
+            <a:avLst/>
+          </a:prstGeom>
+        </p:spPr>
+        <p:txBody>
+          <a:bodyPr anchorCtr="0" anchor="t" bIns="91425" lIns="91425" spcFirstLastPara="1" rIns="91425" wrap="square" tIns="91425">
+            <a:noAutofit/>
+          </a:bodyPr>
+          <a:lstStyle/>
+          <a:p>
+            <a:pPr indent="-419100" lvl="0" marL="457200" rtl="0" algn="l">
+              <a:lnSpc>
+                <a:spcPct val="113000"/>
+              </a:lnSpc>
+              <a:spcBef>
+                <a:spcPts val="0"/>
+              </a:spcBef>
+              <a:spcAft>
+                <a:spcPts val="0"/>
+              </a:spcAft>
+              <a:buSzPts val="3000"/>
+              <a:buFont typeface="Montserrat"/>
+              <a:buChar char="●"/>
+            </a:pPr>
+            <a:r>
+              <a:rPr lang="en" sz="3000">
+                <a:latin typeface="Montserrat"/>
+                <a:ea typeface="Montserrat"/>
+                <a:cs typeface="Montserrat"/>
+                <a:sym typeface="Montserrat"/>
+              </a:rPr>
+              <a:t>Será demonstrado somente um dos problemas mencionados: o </a:t>
+            </a:r>
+            <a:r>
+              <a:rPr i="1" lang="en" sz="3000">
+                <a:latin typeface="Montserrat"/>
+                <a:ea typeface="Montserrat"/>
+                <a:cs typeface="Montserrat"/>
+                <a:sym typeface="Montserrat"/>
+              </a:rPr>
+              <a:t>packet of death.</a:t>
+            </a:r>
+            <a:endParaRPr sz="3000">
+              <a:latin typeface="Montserrat"/>
+              <a:ea typeface="Montserrat"/>
+              <a:cs typeface="Montserrat"/>
+              <a:sym typeface="Montserrat"/>
+            </a:endParaRPr>
+          </a:p>
+          <a:p>
+            <a:pPr indent="-419100" lvl="0" marL="457200" rtl="0" algn="l">
+              <a:lnSpc>
+                <a:spcPct val="113000"/>
+              </a:lnSpc>
+              <a:spcBef>
+                <a:spcPts val="3000"/>
+              </a:spcBef>
+              <a:spcAft>
+                <a:spcPts val="3000"/>
+              </a:spcAft>
+              <a:buSzPts val="3000"/>
+              <a:buFont typeface="Montserrat"/>
+              <a:buChar char="●"/>
+            </a:pPr>
+            <a:r>
+              <a:rPr lang="en" sz="3000">
+                <a:latin typeface="Montserrat"/>
+                <a:ea typeface="Montserrat"/>
+                <a:cs typeface="Montserrat"/>
+                <a:sym typeface="Montserrat"/>
+              </a:rPr>
+              <a:t>Foi feito um pequeno “</a:t>
+            </a:r>
+            <a:r>
+              <a:rPr lang="en" sz="3000">
+                <a:latin typeface="Montserrat"/>
+                <a:ea typeface="Montserrat"/>
+                <a:cs typeface="Montserrat"/>
+                <a:sym typeface="Montserrat"/>
+              </a:rPr>
+              <a:t>jogo</a:t>
+            </a:r>
+            <a:r>
+              <a:rPr lang="en" sz="3000">
+                <a:latin typeface="Montserrat"/>
+                <a:ea typeface="Montserrat"/>
+                <a:cs typeface="Montserrat"/>
+                <a:sym typeface="Montserrat"/>
+              </a:rPr>
+              <a:t>” para demonstrar este problema, que será rodado na versão 3.0.0 da Godot.</a:t>
+            </a:r>
+            <a:endParaRPr sz="3000">
               <a:latin typeface="Montserrat"/>
               <a:ea typeface="Montserrat"/>
               <a:cs typeface="Montserrat"/>
@@ -9668,7 +10026,7 @@
   <p:cSld>
     <p:spTree>
       <p:nvGrpSpPr>
-        <p:cNvPr id="140" name="Shape 140"/>
+        <p:cNvPr id="141" name="Shape 141"/>
         <p:cNvGrpSpPr/>
         <p:nvPr/>
       </p:nvGrpSpPr>
@@ -9682,7 +10040,7 @@
       </p:grpSpPr>
       <p:sp>
         <p:nvSpPr>
-          <p:cNvPr id="141" name="Google Shape;141;p26"/>
+          <p:cNvPr id="142" name="Google Shape;142;p26"/>
           <p:cNvSpPr txBox="1"/>
           <p:nvPr>
             <p:ph type="title"/>
@@ -9691,7 +10049,7 @@
         <p:spPr>
           <a:xfrm>
             <a:off x="0" y="0"/>
-            <a:ext cx="9144000" cy="1271700"/>
+            <a:ext cx="9144000" cy="5143500"/>
           </a:xfrm>
           <a:prstGeom prst="rect">
             <a:avLst/>
@@ -9713,15 +10071,15 @@
               <a:buNone/>
             </a:pPr>
             <a:r>
-              <a:rPr b="1" lang="en" sz="3600">
+              <a:rPr b="1" lang="en" sz="7200">
                 <a:latin typeface="Montserrat"/>
                 <a:ea typeface="Montserrat"/>
                 <a:cs typeface="Montserrat"/>
                 <a:sym typeface="Montserrat"/>
               </a:rPr>
-              <a:t>Código de Serialização</a:t>
-            </a:r>
-            <a:endParaRPr b="1" sz="3600">
+              <a:t>A Correção</a:t>
+            </a:r>
+            <a:endParaRPr b="1" sz="7200">
               <a:latin typeface="Montserrat"/>
               <a:ea typeface="Montserrat"/>
               <a:cs typeface="Montserrat"/>
@@ -9730,34 +10088,6 @@
           </a:p>
         </p:txBody>
       </p:sp>
-      <p:pic>
-        <p:nvPicPr>
-          <p:cNvPr id="142" name="Google Shape;142;p26"/>
-          <p:cNvPicPr preferRelativeResize="0"/>
-          <p:nvPr/>
-        </p:nvPicPr>
-        <p:blipFill>
-          <a:blip r:embed="rId3">
-            <a:alphaModFix/>
-          </a:blip>
-          <a:stretch>
-            <a:fillRect/>
-          </a:stretch>
-        </p:blipFill>
-        <p:spPr>
-          <a:xfrm>
-            <a:off x="1773900" y="1460225"/>
-            <a:ext cx="5596186" cy="3567000"/>
-          </a:xfrm>
-          <a:prstGeom prst="rect">
-            <a:avLst/>
-          </a:prstGeom>
-          <a:noFill/>
-          <a:ln>
-            <a:noFill/>
-          </a:ln>
-        </p:spPr>
-      </p:pic>
     </p:spTree>
   </p:cSld>
   <p:clrMapOvr>
@@ -9822,7 +10152,7 @@
                 <a:cs typeface="Montserrat"/>
                 <a:sym typeface="Montserrat"/>
               </a:rPr>
-              <a:t>Demonstração</a:t>
+              <a:t>Código de Serialização</a:t>
             </a:r>
             <a:endParaRPr b="1" sz="3600">
               <a:latin typeface="Montserrat"/>
@@ -9833,110 +10163,34 @@
           </a:p>
         </p:txBody>
       </p:sp>
-      <p:sp>
-        <p:nvSpPr>
+      <p:pic>
+        <p:nvPicPr>
           <p:cNvPr id="148" name="Google Shape;148;p27"/>
-          <p:cNvSpPr txBox="1"/>
-          <p:nvPr>
-            <p:ph idx="1" type="body"/>
-          </p:nvPr>
-        </p:nvSpPr>
+          <p:cNvPicPr preferRelativeResize="0"/>
+          <p:nvPr/>
+        </p:nvPicPr>
+        <p:blipFill>
+          <a:blip r:embed="rId3">
+            <a:alphaModFix/>
+          </a:blip>
+          <a:stretch>
+            <a:fillRect/>
+          </a:stretch>
+        </p:blipFill>
         <p:spPr>
           <a:xfrm>
-            <a:off x="311700" y="1505700"/>
-            <a:ext cx="8520600" cy="3505200"/>
+            <a:off x="1773900" y="1460225"/>
+            <a:ext cx="5596186" cy="3567000"/>
           </a:xfrm>
           <a:prstGeom prst="rect">
             <a:avLst/>
           </a:prstGeom>
+          <a:noFill/>
+          <a:ln>
+            <a:noFill/>
+          </a:ln>
         </p:spPr>
-        <p:txBody>
-          <a:bodyPr anchorCtr="0" anchor="t" bIns="91425" lIns="91425" spcFirstLastPara="1" rIns="91425" wrap="square" tIns="91425">
-            <a:noAutofit/>
-          </a:bodyPr>
-          <a:lstStyle/>
-          <a:p>
-            <a:pPr indent="-419100" lvl="0" marL="457200" rtl="0" algn="l">
-              <a:lnSpc>
-                <a:spcPct val="113000"/>
-              </a:lnSpc>
-              <a:spcBef>
-                <a:spcPts val="0"/>
-              </a:spcBef>
-              <a:spcAft>
-                <a:spcPts val="0"/>
-              </a:spcAft>
-              <a:buSzPts val="3000"/>
-              <a:buFont typeface="Montserrat"/>
-              <a:buChar char="●"/>
-            </a:pPr>
-            <a:r>
-              <a:rPr lang="en" sz="3000">
-                <a:latin typeface="Montserrat"/>
-                <a:ea typeface="Montserrat"/>
-                <a:cs typeface="Montserrat"/>
-                <a:sym typeface="Montserrat"/>
-              </a:rPr>
-              <a:t>Retornamos, então, ao mesmo “jogo”, com o mesmo código-fonte, mas agora rodando na versão 3.0.6 da Godot</a:t>
-            </a:r>
-            <a:endParaRPr sz="3000">
-              <a:latin typeface="Montserrat"/>
-              <a:ea typeface="Montserrat"/>
-              <a:cs typeface="Montserrat"/>
-              <a:sym typeface="Montserrat"/>
-            </a:endParaRPr>
-          </a:p>
-          <a:p>
-            <a:pPr indent="-419100" lvl="0" marL="457200" rtl="0" algn="l">
-              <a:lnSpc>
-                <a:spcPct val="113000"/>
-              </a:lnSpc>
-              <a:spcBef>
-                <a:spcPts val="3000"/>
-              </a:spcBef>
-              <a:spcAft>
-                <a:spcPts val="3000"/>
-              </a:spcAft>
-              <a:buSzPts val="3000"/>
-              <a:buFont typeface="Montserrat"/>
-              <a:buChar char="●"/>
-            </a:pPr>
-            <a:r>
-              <a:rPr lang="en" sz="3000">
-                <a:latin typeface="Montserrat"/>
-                <a:ea typeface="Montserrat"/>
-                <a:cs typeface="Montserrat"/>
-                <a:sym typeface="Montserrat"/>
-              </a:rPr>
-              <a:t>Esta foi a versão na qual foi </a:t>
-            </a:r>
-            <a:r>
-              <a:rPr lang="en" sz="3000">
-                <a:latin typeface="Montserrat"/>
-                <a:ea typeface="Montserrat"/>
-                <a:cs typeface="Montserrat"/>
-                <a:sym typeface="Montserrat"/>
-              </a:rPr>
-              <a:t>divulgada a existência e resolução </a:t>
-            </a:r>
-            <a:r>
-              <a:rPr lang="en" sz="3000">
-                <a:latin typeface="Montserrat"/>
-                <a:ea typeface="Montserrat"/>
-                <a:cs typeface="Montserrat"/>
-                <a:sym typeface="Montserrat"/>
-              </a:rPr>
-              <a:t>dos problemas mencionados</a:t>
-            </a:r>
-            <a:endParaRPr sz="3000">
-              <a:latin typeface="Montserrat"/>
-              <a:ea typeface="Montserrat"/>
-              <a:cs typeface="Montserrat"/>
-              <a:sym typeface="Montserrat"/>
-            </a:endParaRPr>
-          </a:p>
-        </p:txBody>
-      </p:sp>
+      </p:pic>
     </p:spTree>
   </p:cSld>
   <p:clrMapOvr>
@@ -10001,7 +10255,7 @@
                 <a:cs typeface="Montserrat"/>
                 <a:sym typeface="Montserrat"/>
               </a:rPr>
-              <a:t>Ressalvas</a:t>
+              <a:t>Demonstração</a:t>
             </a:r>
             <a:endParaRPr b="1" sz="3600">
               <a:latin typeface="Montserrat"/>
@@ -10035,7 +10289,7 @@
           </a:bodyPr>
           <a:lstStyle/>
           <a:p>
-            <a:pPr indent="-393700" lvl="0" marL="457200" rtl="0" algn="l">
+            <a:pPr indent="-419100" lvl="0" marL="457200" rtl="0" algn="l">
               <a:lnSpc>
                 <a:spcPct val="113000"/>
               </a:lnSpc>
@@ -10045,56 +10299,20 @@
               <a:spcAft>
                 <a:spcPts val="0"/>
               </a:spcAft>
-              <a:buSzPts val="2600"/>
+              <a:buSzPts val="3000"/>
               <a:buFont typeface="Montserrat"/>
               <a:buChar char="●"/>
             </a:pPr>
             <a:r>
-              <a:rPr lang="en" sz="2600">
+              <a:rPr lang="en" sz="3000">
                 <a:latin typeface="Montserrat"/>
                 <a:ea typeface="Montserrat"/>
                 <a:cs typeface="Montserrat"/>
                 <a:sym typeface="Montserrat"/>
               </a:rPr>
-              <a:t>Por mais que o </a:t>
-            </a:r>
-            <a:r>
-              <a:rPr i="1" lang="en" sz="2600">
-                <a:latin typeface="Montserrat"/>
-                <a:ea typeface="Montserrat"/>
-                <a:cs typeface="Montserrat"/>
-                <a:sym typeface="Montserrat"/>
-              </a:rPr>
-              <a:t>packet of death</a:t>
-            </a:r>
-            <a:r>
-              <a:rPr lang="en" sz="2600">
-                <a:latin typeface="Montserrat"/>
-                <a:ea typeface="Montserrat"/>
-                <a:cs typeface="Montserrat"/>
-                <a:sym typeface="Montserrat"/>
-              </a:rPr>
-              <a:t> não consiga fechar o jogo, ele gera um erro e passa a responsabilidade para a </a:t>
-            </a:r>
-            <a:r>
-              <a:rPr i="1" lang="en" sz="2600">
-                <a:latin typeface="Montserrat"/>
-                <a:ea typeface="Montserrat"/>
-                <a:cs typeface="Montserrat"/>
-                <a:sym typeface="Montserrat"/>
-              </a:rPr>
-              <a:t>engine</a:t>
-            </a:r>
-            <a:r>
-              <a:rPr lang="en" sz="2600">
-                <a:latin typeface="Montserrat"/>
-                <a:ea typeface="Montserrat"/>
-                <a:cs typeface="Montserrat"/>
-                <a:sym typeface="Montserrat"/>
-              </a:rPr>
-              <a:t>, tornando o problema de outra natureza (auto-contido)</a:t>
-            </a:r>
-            <a:endParaRPr sz="2600">
+              <a:t>Retornamos, então, ao mesmo “jogo”, com o mesmo código-fonte, mas agora rodando na versão 3.0.6 da Godot.</a:t>
+            </a:r>
+            <a:endParaRPr sz="3000">
               <a:latin typeface="Montserrat"/>
               <a:ea typeface="Montserrat"/>
               <a:cs typeface="Montserrat"/>
@@ -10102,7 +10320,7 @@
             </a:endParaRPr>
           </a:p>
           <a:p>
-            <a:pPr indent="-393700" lvl="0" marL="457200" rtl="0" algn="l">
+            <a:pPr indent="-419100" lvl="0" marL="457200" rtl="0" algn="l">
               <a:lnSpc>
                 <a:spcPct val="113000"/>
               </a:lnSpc>
@@ -10112,20 +10330,38 @@
               <a:spcAft>
                 <a:spcPts val="3000"/>
               </a:spcAft>
-              <a:buSzPts val="2600"/>
+              <a:buSzPts val="3000"/>
               <a:buFont typeface="Montserrat"/>
               <a:buChar char="●"/>
             </a:pPr>
             <a:r>
-              <a:rPr lang="en" sz="2600">
+              <a:rPr lang="en" sz="3000">
                 <a:latin typeface="Montserrat"/>
                 <a:ea typeface="Montserrat"/>
                 <a:cs typeface="Montserrat"/>
                 <a:sym typeface="Montserrat"/>
               </a:rPr>
-              <a:t>Note que a Godot não possui nenhuma forma de error handling</a:t>
-            </a:r>
-            <a:endParaRPr sz="2600">
+              <a:t>Esta foi a versão na qual foi </a:t>
+            </a:r>
+            <a:r>
+              <a:rPr lang="en" sz="3000">
+                <a:latin typeface="Montserrat"/>
+                <a:ea typeface="Montserrat"/>
+                <a:cs typeface="Montserrat"/>
+                <a:sym typeface="Montserrat"/>
+              </a:rPr>
+              <a:t>divulgada a existência e resolução </a:t>
+            </a:r>
+            <a:r>
+              <a:rPr lang="en" sz="3000">
+                <a:latin typeface="Montserrat"/>
+                <a:ea typeface="Montserrat"/>
+                <a:cs typeface="Montserrat"/>
+                <a:sym typeface="Montserrat"/>
+              </a:rPr>
+              <a:t>dos problemas mencionados.</a:t>
+            </a:r>
+            <a:endParaRPr sz="3000">
               <a:latin typeface="Montserrat"/>
               <a:ea typeface="Montserrat"/>
               <a:cs typeface="Montserrat"/>
@@ -10162,6 +10398,432 @@
       <p:sp>
         <p:nvSpPr>
           <p:cNvPr id="159" name="Google Shape;159;p29"/>
+          <p:cNvSpPr txBox="1"/>
+          <p:nvPr>
+            <p:ph type="title"/>
+          </p:nvPr>
+        </p:nvSpPr>
+        <p:spPr>
+          <a:xfrm>
+            <a:off x="0" y="0"/>
+            <a:ext cx="9144000" cy="1271700"/>
+          </a:xfrm>
+          <a:prstGeom prst="rect">
+            <a:avLst/>
+          </a:prstGeom>
+        </p:spPr>
+        <p:txBody>
+          <a:bodyPr anchorCtr="0" anchor="ctr" bIns="91425" lIns="91425" spcFirstLastPara="1" rIns="91425" wrap="square" tIns="91425">
+            <a:noAutofit/>
+          </a:bodyPr>
+          <a:lstStyle/>
+          <a:p>
+            <a:pPr indent="0" lvl="0" marL="0" rtl="0" algn="ctr">
+              <a:spcBef>
+                <a:spcPts val="0"/>
+              </a:spcBef>
+              <a:spcAft>
+                <a:spcPts val="0"/>
+              </a:spcAft>
+              <a:buNone/>
+            </a:pPr>
+            <a:r>
+              <a:rPr b="1" lang="en" sz="3600">
+                <a:latin typeface="Montserrat"/>
+                <a:ea typeface="Montserrat"/>
+                <a:cs typeface="Montserrat"/>
+                <a:sym typeface="Montserrat"/>
+              </a:rPr>
+              <a:t>Ressalvas</a:t>
+            </a:r>
+            <a:endParaRPr b="1" sz="3600">
+              <a:latin typeface="Montserrat"/>
+              <a:ea typeface="Montserrat"/>
+              <a:cs typeface="Montserrat"/>
+              <a:sym typeface="Montserrat"/>
+            </a:endParaRPr>
+          </a:p>
+        </p:txBody>
+      </p:sp>
+      <p:sp>
+        <p:nvSpPr>
+          <p:cNvPr id="160" name="Google Shape;160;p29"/>
+          <p:cNvSpPr txBox="1"/>
+          <p:nvPr>
+            <p:ph idx="1" type="body"/>
+          </p:nvPr>
+        </p:nvSpPr>
+        <p:spPr>
+          <a:xfrm>
+            <a:off x="311700" y="1505700"/>
+            <a:ext cx="8520600" cy="3505200"/>
+          </a:xfrm>
+          <a:prstGeom prst="rect">
+            <a:avLst/>
+          </a:prstGeom>
+        </p:spPr>
+        <p:txBody>
+          <a:bodyPr anchorCtr="0" anchor="t" bIns="91425" lIns="91425" spcFirstLastPara="1" rIns="91425" wrap="square" tIns="91425">
+            <a:noAutofit/>
+          </a:bodyPr>
+          <a:lstStyle/>
+          <a:p>
+            <a:pPr indent="-393700" lvl="0" marL="457200" rtl="0" algn="l">
+              <a:lnSpc>
+                <a:spcPct val="113000"/>
+              </a:lnSpc>
+              <a:spcBef>
+                <a:spcPts val="0"/>
+              </a:spcBef>
+              <a:spcAft>
+                <a:spcPts val="0"/>
+              </a:spcAft>
+              <a:buSzPts val="2600"/>
+              <a:buFont typeface="Montserrat"/>
+              <a:buChar char="●"/>
+            </a:pPr>
+            <a:r>
+              <a:rPr lang="en" sz="2600">
+                <a:latin typeface="Montserrat"/>
+                <a:ea typeface="Montserrat"/>
+                <a:cs typeface="Montserrat"/>
+                <a:sym typeface="Montserrat"/>
+              </a:rPr>
+              <a:t>Por mais que o </a:t>
+            </a:r>
+            <a:r>
+              <a:rPr i="1" lang="en" sz="2600">
+                <a:latin typeface="Montserrat"/>
+                <a:ea typeface="Montserrat"/>
+                <a:cs typeface="Montserrat"/>
+                <a:sym typeface="Montserrat"/>
+              </a:rPr>
+              <a:t>packet of death</a:t>
+            </a:r>
+            <a:r>
+              <a:rPr lang="en" sz="2600">
+                <a:latin typeface="Montserrat"/>
+                <a:ea typeface="Montserrat"/>
+                <a:cs typeface="Montserrat"/>
+                <a:sym typeface="Montserrat"/>
+              </a:rPr>
+              <a:t> não consiga fechar o jogo, ele gera um erro e passa a responsabilidade para a </a:t>
+            </a:r>
+            <a:r>
+              <a:rPr i="1" lang="en" sz="2600">
+                <a:latin typeface="Montserrat"/>
+                <a:ea typeface="Montserrat"/>
+                <a:cs typeface="Montserrat"/>
+                <a:sym typeface="Montserrat"/>
+              </a:rPr>
+              <a:t>engine</a:t>
+            </a:r>
+            <a:r>
+              <a:rPr lang="en" sz="2600">
+                <a:latin typeface="Montserrat"/>
+                <a:ea typeface="Montserrat"/>
+                <a:cs typeface="Montserrat"/>
+                <a:sym typeface="Montserrat"/>
+              </a:rPr>
+              <a:t>, tornando o problema de outra natureza (auto-contido).</a:t>
+            </a:r>
+            <a:endParaRPr sz="2600">
+              <a:latin typeface="Montserrat"/>
+              <a:ea typeface="Montserrat"/>
+              <a:cs typeface="Montserrat"/>
+              <a:sym typeface="Montserrat"/>
+            </a:endParaRPr>
+          </a:p>
+          <a:p>
+            <a:pPr indent="-393700" lvl="0" marL="457200" rtl="0" algn="l">
+              <a:lnSpc>
+                <a:spcPct val="113000"/>
+              </a:lnSpc>
+              <a:spcBef>
+                <a:spcPts val="3000"/>
+              </a:spcBef>
+              <a:spcAft>
+                <a:spcPts val="3000"/>
+              </a:spcAft>
+              <a:buSzPts val="2600"/>
+              <a:buFont typeface="Montserrat"/>
+              <a:buChar char="●"/>
+            </a:pPr>
+            <a:r>
+              <a:rPr lang="en" sz="2600">
+                <a:latin typeface="Montserrat"/>
+                <a:ea typeface="Montserrat"/>
+                <a:cs typeface="Montserrat"/>
+                <a:sym typeface="Montserrat"/>
+              </a:rPr>
+              <a:t>Note que a Godot não possui nenhuma forma de error handling.</a:t>
+            </a:r>
+            <a:endParaRPr sz="2600">
+              <a:latin typeface="Montserrat"/>
+              <a:ea typeface="Montserrat"/>
+              <a:cs typeface="Montserrat"/>
+              <a:sym typeface="Montserrat"/>
+            </a:endParaRPr>
+          </a:p>
+        </p:txBody>
+      </p:sp>
+    </p:spTree>
+  </p:cSld>
+  <p:clrMapOvr>
+    <a:masterClrMapping/>
+  </p:clrMapOvr>
+</p:sld>
+</file>
+
+<file path=ppt/slides/slide18.xml><?xml version="1.0" encoding="utf-8"?>
+<p:sld xmlns:a="http://schemas.openxmlformats.org/drawingml/2006/main" xmlns:r="http://schemas.openxmlformats.org/officeDocument/2006/relationships" xmlns:mc="http://schemas.openxmlformats.org/markup-compatibility/2006" xmlns:mv="urn:schemas-microsoft-com:mac:vml" xmlns:p="http://schemas.openxmlformats.org/presentationml/2006/main" xmlns:c="http://schemas.openxmlformats.org/drawingml/2006/chart" xmlns:dgm="http://schemas.openxmlformats.org/drawingml/2006/diagram" xmlns:o="urn:schemas-microsoft-com:office:office" xmlns:v="urn:schemas-microsoft-com:vml" xmlns:pvml="urn:schemas-microsoft-com:office:powerpoint" xmlns:com="http://schemas.openxmlformats.org/drawingml/2006/compatibility" xmlns:p14="http://schemas.microsoft.com/office/powerpoint/2010/main" xmlns:p15="http://schemas.microsoft.com/office/powerpoint/2012/main">
+  <p:cSld>
+    <p:spTree>
+      <p:nvGrpSpPr>
+        <p:cNvPr id="164" name="Shape 164"/>
+        <p:cNvGrpSpPr/>
+        <p:nvPr/>
+      </p:nvGrpSpPr>
+      <p:grpSpPr>
+        <a:xfrm>
+          <a:off x="0" y="0"/>
+          <a:ext cx="0" cy="0"/>
+          <a:chOff x="0" y="0"/>
+          <a:chExt cx="0" cy="0"/>
+        </a:xfrm>
+      </p:grpSpPr>
+      <p:sp>
+        <p:nvSpPr>
+          <p:cNvPr id="165" name="Google Shape;165;p30"/>
+          <p:cNvSpPr txBox="1"/>
+          <p:nvPr>
+            <p:ph type="title"/>
+          </p:nvPr>
+        </p:nvSpPr>
+        <p:spPr>
+          <a:xfrm>
+            <a:off x="311725" y="500925"/>
+            <a:ext cx="8520600" cy="623700"/>
+          </a:xfrm>
+          <a:prstGeom prst="rect">
+            <a:avLst/>
+          </a:prstGeom>
+        </p:spPr>
+        <p:txBody>
+          <a:bodyPr anchorCtr="0" anchor="t" bIns="91425" lIns="91425" spcFirstLastPara="1" rIns="91425" wrap="square" tIns="91425">
+            <a:noAutofit/>
+          </a:bodyPr>
+          <a:lstStyle/>
+          <a:p>
+            <a:pPr indent="0" lvl="0" marL="0" rtl="0" algn="l">
+              <a:spcBef>
+                <a:spcPts val="0"/>
+              </a:spcBef>
+              <a:spcAft>
+                <a:spcPts val="0"/>
+              </a:spcAft>
+              <a:buNone/>
+            </a:pPr>
+            <a:r>
+              <a:rPr lang="en"/>
+              <a:t>Bibliografia</a:t>
+            </a:r>
+            <a:endParaRPr/>
+          </a:p>
+        </p:txBody>
+      </p:sp>
+      <p:sp>
+        <p:nvSpPr>
+          <p:cNvPr id="166" name="Google Shape;166;p30"/>
+          <p:cNvSpPr txBox="1"/>
+          <p:nvPr>
+            <p:ph idx="1" type="body"/>
+          </p:nvPr>
+        </p:nvSpPr>
+        <p:spPr>
+          <a:xfrm>
+            <a:off x="311700" y="1505700"/>
+            <a:ext cx="8670900" cy="3076200"/>
+          </a:xfrm>
+          <a:prstGeom prst="rect">
+            <a:avLst/>
+          </a:prstGeom>
+        </p:spPr>
+        <p:txBody>
+          <a:bodyPr anchorCtr="0" anchor="t" bIns="91425" lIns="91425" spcFirstLastPara="1" rIns="91425" wrap="square" tIns="91425">
+            <a:noAutofit/>
+          </a:bodyPr>
+          <a:lstStyle/>
+          <a:p>
+            <a:pPr indent="-342900" lvl="0" marL="457200" rtl="0" algn="l">
+              <a:spcBef>
+                <a:spcPts val="0"/>
+              </a:spcBef>
+              <a:spcAft>
+                <a:spcPts val="0"/>
+              </a:spcAft>
+              <a:buSzPts val="1800"/>
+              <a:buChar char="●"/>
+            </a:pPr>
+            <a:r>
+              <a:rPr lang="en" sz="1800" u="sng">
+                <a:solidFill>
+                  <a:schemeClr val="hlink"/>
+                </a:solidFill>
+                <a:hlinkClick r:id="rId3"/>
+              </a:rPr>
+              <a:t>https://cve.mitre.org/cgi-bin/cvename.cgi?name=CVE-2018-1000224</a:t>
+            </a:r>
+            <a:endParaRPr sz="1800"/>
+          </a:p>
+          <a:p>
+            <a:pPr indent="-342900" lvl="0" marL="457200" rtl="0" algn="l">
+              <a:spcBef>
+                <a:spcPts val="0"/>
+              </a:spcBef>
+              <a:spcAft>
+                <a:spcPts val="0"/>
+              </a:spcAft>
+              <a:buSzPts val="1800"/>
+              <a:buChar char="●"/>
+            </a:pPr>
+            <a:r>
+              <a:rPr lang="en" sz="1800" u="sng">
+                <a:solidFill>
+                  <a:schemeClr val="hlink"/>
+                </a:solidFill>
+                <a:hlinkClick r:id="rId4"/>
+              </a:rPr>
+              <a:t>https://github.com/godotengine/godot/commit/5262d1bbcc81a06db66ac45c3f75535f231268bc</a:t>
+            </a:r>
+            <a:endParaRPr sz="1800"/>
+          </a:p>
+          <a:p>
+            <a:pPr indent="-342900" lvl="0" marL="457200" rtl="0" algn="l">
+              <a:spcBef>
+                <a:spcPts val="0"/>
+              </a:spcBef>
+              <a:spcAft>
+                <a:spcPts val="0"/>
+              </a:spcAft>
+              <a:buSzPts val="1800"/>
+              <a:buChar char="●"/>
+            </a:pPr>
+            <a:r>
+              <a:rPr lang="en" sz="1800" u="sng">
+                <a:solidFill>
+                  <a:schemeClr val="hlink"/>
+                </a:solidFill>
+                <a:hlinkClick r:id="rId5"/>
+              </a:rPr>
+              <a:t>https://godotengine.org/</a:t>
+            </a:r>
+            <a:endParaRPr sz="1800"/>
+          </a:p>
+          <a:p>
+            <a:pPr indent="-342900" lvl="0" marL="457200" rtl="0" algn="l">
+              <a:spcBef>
+                <a:spcPts val="0"/>
+              </a:spcBef>
+              <a:spcAft>
+                <a:spcPts val="0"/>
+              </a:spcAft>
+              <a:buSzPts val="1800"/>
+              <a:buChar char="●"/>
+            </a:pPr>
+            <a:r>
+              <a:rPr lang="en" sz="1800" u="sng">
+                <a:solidFill>
+                  <a:schemeClr val="hlink"/>
+                </a:solidFill>
+                <a:hlinkClick r:id="rId6"/>
+              </a:rPr>
+              <a:t>https://webchat.freenode.net/?channels=#godotengine</a:t>
+            </a:r>
+            <a:endParaRPr sz="1800"/>
+          </a:p>
+          <a:p>
+            <a:pPr indent="-342900" lvl="0" marL="457200" rtl="0" algn="l">
+              <a:spcBef>
+                <a:spcPts val="0"/>
+              </a:spcBef>
+              <a:spcAft>
+                <a:spcPts val="0"/>
+              </a:spcAft>
+              <a:buSzPts val="1800"/>
+              <a:buChar char="●"/>
+            </a:pPr>
+            <a:r>
+              <a:rPr lang="en" sz="1800" u="sng">
+                <a:solidFill>
+                  <a:schemeClr val="hlink"/>
+                </a:solidFill>
+                <a:hlinkClick r:id="rId7"/>
+              </a:rPr>
+              <a:t>https://github.com/LuizGyro/mac0352-2019/tree/master/ep4-VictorAraujo-LuizGirotto</a:t>
+            </a:r>
+            <a:endParaRPr sz="1800"/>
+          </a:p>
+          <a:p>
+            <a:pPr indent="0" lvl="0" marL="0" rtl="0" algn="l">
+              <a:spcBef>
+                <a:spcPts val="1600"/>
+              </a:spcBef>
+              <a:spcAft>
+                <a:spcPts val="0"/>
+              </a:spcAft>
+              <a:buNone/>
+            </a:pPr>
+            <a:r>
+              <a:t/>
+            </a:r>
+            <a:endParaRPr sz="1800"/>
+          </a:p>
+          <a:p>
+            <a:pPr indent="0" lvl="0" marL="0" rtl="0" algn="l">
+              <a:spcBef>
+                <a:spcPts val="1600"/>
+              </a:spcBef>
+              <a:spcAft>
+                <a:spcPts val="1600"/>
+              </a:spcAft>
+              <a:buNone/>
+            </a:pPr>
+            <a:r>
+              <a:t/>
+            </a:r>
+            <a:endParaRPr/>
+          </a:p>
+        </p:txBody>
+      </p:sp>
+    </p:spTree>
+  </p:cSld>
+  <p:clrMapOvr>
+    <a:masterClrMapping/>
+  </p:clrMapOvr>
+</p:sld>
+</file>
+
+<file path=ppt/slides/slide19.xml><?xml version="1.0" encoding="utf-8"?>
+<p:sld xmlns:a="http://schemas.openxmlformats.org/drawingml/2006/main" xmlns:r="http://schemas.openxmlformats.org/officeDocument/2006/relationships" xmlns:mc="http://schemas.openxmlformats.org/markup-compatibility/2006" xmlns:mv="urn:schemas-microsoft-com:mac:vml" xmlns:p="http://schemas.openxmlformats.org/presentationml/2006/main" xmlns:c="http://schemas.openxmlformats.org/drawingml/2006/chart" xmlns:dgm="http://schemas.openxmlformats.org/drawingml/2006/diagram" xmlns:o="urn:schemas-microsoft-com:office:office" xmlns:v="urn:schemas-microsoft-com:vml" xmlns:pvml="urn:schemas-microsoft-com:office:powerpoint" xmlns:com="http://schemas.openxmlformats.org/drawingml/2006/compatibility" xmlns:p14="http://schemas.microsoft.com/office/powerpoint/2010/main" xmlns:p15="http://schemas.microsoft.com/office/powerpoint/2012/main">
+  <p:cSld>
+    <p:spTree>
+      <p:nvGrpSpPr>
+        <p:cNvPr id="170" name="Shape 170"/>
+        <p:cNvGrpSpPr/>
+        <p:nvPr/>
+      </p:nvGrpSpPr>
+      <p:grpSpPr>
+        <a:xfrm>
+          <a:off x="0" y="0"/>
+          <a:ext cx="0" cy="0"/>
+          <a:chOff x="0" y="0"/>
+          <a:chExt cx="0" cy="0"/>
+        </a:xfrm>
+      </p:grpSpPr>
+      <p:sp>
+        <p:nvSpPr>
+          <p:cNvPr id="171" name="Google Shape;171;p31"/>
           <p:cNvSpPr txBox="1"/>
           <p:nvPr>
             <p:ph type="ctrTitle"/>
@@ -10414,6 +11076,15 @@
               </a:rPr>
               <a:t>game engine</a:t>
             </a:r>
+            <a:r>
+              <a:rPr i="1" lang="en" sz="3000">
+                <a:latin typeface="Montserrat"/>
+                <a:ea typeface="Montserrat"/>
+                <a:cs typeface="Montserrat"/>
+                <a:sym typeface="Montserrat"/>
+              </a:rPr>
+              <a:t>.</a:t>
+            </a:r>
             <a:endParaRPr sz="3000">
               <a:latin typeface="Montserrat"/>
               <a:ea typeface="Montserrat"/>
@@ -10488,7 +11159,7 @@
                 <a:cs typeface="Montserrat"/>
                 <a:sym typeface="Montserrat"/>
               </a:rPr>
-              <a:t> em 2014</a:t>
+              <a:t> em 2014.</a:t>
             </a:r>
             <a:endParaRPr sz="3000">
               <a:latin typeface="Montserrat"/>
@@ -10519,7 +11190,7 @@
                 <a:cs typeface="Montserrat"/>
                 <a:sym typeface="Montserrat"/>
               </a:rPr>
-              <a:t>Versão 2.0 em 2016, e 3.0 em 2018, ambas mantidas até hoje</a:t>
+              <a:t>Versão 2.0 em 2016, e 3.0 em 2018, ambas mantidas até hoje.</a:t>
             </a:r>
             <a:endParaRPr sz="3000">
               <a:latin typeface="Montserrat"/>
@@ -10660,6 +11331,15 @@
               </a:rPr>
               <a:t>3D</a:t>
             </a:r>
+            <a:r>
+              <a:rPr lang="en" sz="3000">
+                <a:latin typeface="Montserrat"/>
+                <a:ea typeface="Montserrat"/>
+                <a:cs typeface="Montserrat"/>
+                <a:sym typeface="Montserrat"/>
+              </a:rPr>
+              <a:t>.</a:t>
+            </a:r>
             <a:endParaRPr sz="3000">
               <a:latin typeface="Montserrat"/>
               <a:ea typeface="Montserrat"/>
@@ -10717,6 +11397,15 @@
                 <a:sym typeface="Montserrat"/>
               </a:rPr>
               <a:t>cenas</a:t>
+            </a:r>
+            <a:r>
+              <a:rPr b="1" lang="en" sz="3000">
+                <a:latin typeface="Montserrat"/>
+                <a:ea typeface="Montserrat"/>
+                <a:cs typeface="Montserrat"/>
+                <a:sym typeface="Montserrat"/>
+              </a:rPr>
+              <a:t>.</a:t>
             </a:r>
             <a:endParaRPr b="1" sz="3000">
               <a:latin typeface="Montserrat"/>
@@ -11125,7 +11814,7 @@
                 <a:cs typeface="Montserrat"/>
                 <a:sym typeface="Montserrat"/>
               </a:rPr>
-              <a:t> como tipo de dados atômico/nativo</a:t>
+              <a:t> como tipo de dados atômico/nativo.</a:t>
             </a:r>
             <a:endParaRPr sz="3000">
               <a:latin typeface="Montserrat"/>
@@ -11184,6 +11873,15 @@
                 <a:sym typeface="Montserrat"/>
               </a:rPr>
               <a:t>Variant</a:t>
+            </a:r>
+            <a:r>
+              <a:rPr i="1" lang="en" sz="3000">
+                <a:latin typeface="Montserrat"/>
+                <a:ea typeface="Montserrat"/>
+                <a:cs typeface="Montserrat"/>
+                <a:sym typeface="Montserrat"/>
+              </a:rPr>
+              <a:t>.</a:t>
             </a:r>
             <a:endParaRPr sz="3000">
               <a:latin typeface="Montserrat"/>
@@ -11424,7 +12122,7 @@
                 <a:cs typeface="Montserrat"/>
                 <a:sym typeface="Montserrat"/>
               </a:rPr>
-              <a:t>online</a:t>
+              <a:t>online.</a:t>
             </a:r>
             <a:endParaRPr sz="3000">
               <a:latin typeface="Montserrat"/>
@@ -11473,7 +12171,7 @@
                 <a:cs typeface="Montserrat"/>
                 <a:sym typeface="Montserrat"/>
               </a:rPr>
-              <a:t> (TCP e UDP), mas também disponibiliza de alto nível</a:t>
+              <a:t> (TCP e UDP), mas também disponibiliza de alto nível.</a:t>
             </a:r>
             <a:endParaRPr sz="3000">
               <a:latin typeface="Montserrat"/>
@@ -11621,7 +12319,7 @@
                 <a:cs typeface="Montserrat"/>
                 <a:sym typeface="Montserrat"/>
               </a:rPr>
-              <a:t>) dos dados a serem enviados</a:t>
+              <a:t>) dos dados a serem enviados.</a:t>
             </a:r>
             <a:endParaRPr sz="3000">
               <a:latin typeface="Montserrat"/>
@@ -11652,7 +12350,7 @@
                 <a:cs typeface="Montserrat"/>
                 <a:sym typeface="Montserrat"/>
               </a:rPr>
-              <a:t>Problemas no código de serialização até as versões 2.1.5 e 3.0.6 da Godot</a:t>
+              <a:t>Problemas no código de serialização até as versões 2.1.5 e 3.0.6 da Godot.</a:t>
             </a:r>
             <a:endParaRPr sz="3000">
               <a:latin typeface="Montserrat"/>
@@ -11672,6 +12370,285 @@
 </file>
 
 <file path=ppt/theme/theme1.xml><?xml version="1.0" encoding="utf-8"?>
+<a:theme xmlns:a="http://schemas.openxmlformats.org/drawingml/2006/main" xmlns:r="http://schemas.openxmlformats.org/officeDocument/2006/relationships" name="Paradigm">
+  <a:themeElements>
+    <a:clrScheme name="Paradigm">
+      <a:dk1>
+        <a:srgbClr val="3D8FCC"/>
+      </a:dk1>
+      <a:lt1>
+        <a:srgbClr val="FFFFFF"/>
+      </a:lt1>
+      <a:dk2>
+        <a:srgbClr val="666666"/>
+      </a:dk2>
+      <a:lt2>
+        <a:srgbClr val="626B73"/>
+      </a:lt2>
+      <a:accent1>
+        <a:srgbClr val="002F4A"/>
+      </a:accent1>
+      <a:accent2>
+        <a:srgbClr val="D9C4B1"/>
+      </a:accent2>
+      <a:accent3>
+        <a:srgbClr val="EDE3DA"/>
+      </a:accent3>
+      <a:accent4>
+        <a:srgbClr val="B85741"/>
+      </a:accent4>
+      <a:accent5>
+        <a:srgbClr val="009384"/>
+      </a:accent5>
+      <a:accent6>
+        <a:srgbClr val="D0F6FF"/>
+      </a:accent6>
+      <a:hlink>
+        <a:srgbClr val="009384"/>
+      </a:hlink>
+      <a:folHlink>
+        <a:srgbClr val="009384"/>
+      </a:folHlink>
+    </a:clrScheme>
+    <a:fontScheme name="Office">
+      <a:majorFont>
+        <a:latin typeface="Arial"/>
+        <a:ea typeface=""/>
+        <a:cs typeface=""/>
+        <a:font script="Jpan" typeface="ＭＳ Ｐゴシック"/>
+        <a:font script="Hang" typeface="맑은 고딕"/>
+        <a:font script="Hans" typeface="宋体"/>
+        <a:font script="Hant" typeface="新細明體"/>
+        <a:font script="Arab" typeface="Times New Roman"/>
+        <a:font script="Hebr" typeface="Times New Roman"/>
+        <a:font script="Thai" typeface="Angsana New"/>
+        <a:font script="Ethi" typeface="Nyala"/>
+        <a:font script="Beng" typeface="Vrinda"/>
+        <a:font script="Gujr" typeface="Shruti"/>
+        <a:font script="Khmr" typeface="MoolBoran"/>
+        <a:font script="Knda" typeface="Tunga"/>
+        <a:font script="Guru" typeface="Raavi"/>
+        <a:font script="Cans" typeface="Euphemia"/>
+        <a:font script="Cher" typeface="Plantagenet Cherokee"/>
+        <a:font script="Yiii" typeface="Microsoft Yi Baiti"/>
+        <a:font script="Tibt" typeface="Microsoft Himalaya"/>
+        <a:font script="Thaa" typeface="MV Boli"/>
+        <a:font script="Deva" typeface="Mangal"/>
+        <a:font script="Telu" typeface="Gautami"/>
+        <a:font script="Taml" typeface="Latha"/>
+        <a:font script="Syrc" typeface="Estrangelo Edessa"/>
+        <a:font script="Orya" typeface="Kalinga"/>
+        <a:font script="Mlym" typeface="Kartika"/>
+        <a:font script="Laoo" typeface="DokChampa"/>
+        <a:font script="Sinh" typeface="Iskoola Pota"/>
+        <a:font script="Mong" typeface="Mongolian Baiti"/>
+        <a:font script="Viet" typeface="Times New Roman"/>
+        <a:font script="Uigh" typeface="Microsoft Uighur"/>
+        <a:font script="Geor" typeface="Sylfaen"/>
+      </a:majorFont>
+      <a:minorFont>
+        <a:latin typeface="Arial"/>
+        <a:ea typeface=""/>
+        <a:cs typeface=""/>
+        <a:font script="Jpan" typeface="ＭＳ Ｐゴシック"/>
+        <a:font script="Hang" typeface="맑은 고딕"/>
+        <a:font script="Hans" typeface="宋体"/>
+        <a:font script="Hant" typeface="新細明體"/>
+        <a:font script="Arab" typeface="Arial"/>
+        <a:font script="Hebr" typeface="Arial"/>
+        <a:font script="Thai" typeface="Cordia New"/>
+        <a:font script="Ethi" typeface="Nyala"/>
+        <a:font script="Beng" typeface="Vrinda"/>
+        <a:font script="Gujr" typeface="Shruti"/>
+        <a:font script="Khmr" typeface="DaunPenh"/>
+        <a:font script="Knda" typeface="Tunga"/>
+        <a:font script="Guru" typeface="Raavi"/>
+        <a:font script="Cans" typeface="Euphemia"/>
+        <a:font script="Cher" typeface="Plantagenet Cherokee"/>
+        <a:font script="Yiii" typeface="Microsoft Yi Baiti"/>
+        <a:font script="Tibt" typeface="Microsoft Himalaya"/>
+        <a:font script="Thaa" typeface="MV Boli"/>
+        <a:font script="Deva" typeface="Mangal"/>
+        <a:font script="Telu" typeface="Gautami"/>
+        <a:font script="Taml" typeface="Latha"/>
+        <a:font script="Syrc" typeface="Estrangelo Edessa"/>
+        <a:font script="Orya" typeface="Kalinga"/>
+        <a:font script="Mlym" typeface="Kartika"/>
+        <a:font script="Laoo" typeface="DokChampa"/>
+        <a:font script="Sinh" typeface="Iskoola Pota"/>
+        <a:font script="Mong" typeface="Mongolian Baiti"/>
+        <a:font script="Viet" typeface="Arial"/>
+        <a:font script="Uigh" typeface="Microsoft Uighur"/>
+        <a:font script="Geor" typeface="Sylfaen"/>
+      </a:minorFont>
+    </a:fontScheme>
+    <a:fmtScheme name="Office">
+      <a:fillStyleLst>
+        <a:solidFill>
+          <a:schemeClr val="phClr"/>
+        </a:solidFill>
+        <a:gradFill rotWithShape="1">
+          <a:gsLst>
+            <a:gs pos="0">
+              <a:schemeClr val="phClr">
+                <a:tint val="50000"/>
+                <a:satMod val="300000"/>
+              </a:schemeClr>
+            </a:gs>
+            <a:gs pos="35000">
+              <a:schemeClr val="phClr">
+                <a:tint val="37000"/>
+                <a:satMod val="300000"/>
+              </a:schemeClr>
+            </a:gs>
+            <a:gs pos="100000">
+              <a:schemeClr val="phClr">
+                <a:tint val="15000"/>
+                <a:satMod val="350000"/>
+              </a:schemeClr>
+            </a:gs>
+          </a:gsLst>
+          <a:lin ang="16200000" scaled="1"/>
+        </a:gradFill>
+        <a:gradFill rotWithShape="1">
+          <a:gsLst>
+            <a:gs pos="0">
+              <a:schemeClr val="phClr">
+                <a:tint val="100000"/>
+                <a:shade val="100000"/>
+                <a:satMod val="130000"/>
+              </a:schemeClr>
+            </a:gs>
+            <a:gs pos="100000">
+              <a:schemeClr val="phClr">
+                <a:tint val="50000"/>
+                <a:shade val="100000"/>
+                <a:satMod val="350000"/>
+              </a:schemeClr>
+            </a:gs>
+          </a:gsLst>
+          <a:lin ang="16200000" scaled="0"/>
+        </a:gradFill>
+      </a:fillStyleLst>
+      <a:lnStyleLst>
+        <a:ln w="9525" cap="flat" cmpd="sng" algn="ctr">
+          <a:solidFill>
+            <a:schemeClr val="phClr">
+              <a:shade val="95000"/>
+              <a:satMod val="105000"/>
+            </a:schemeClr>
+          </a:solidFill>
+          <a:prstDash val="solid"/>
+        </a:ln>
+        <a:ln w="25400" cap="flat" cmpd="sng" algn="ctr">
+          <a:solidFill>
+            <a:schemeClr val="phClr"/>
+          </a:solidFill>
+          <a:prstDash val="solid"/>
+        </a:ln>
+        <a:ln w="38100" cap="flat" cmpd="sng" algn="ctr">
+          <a:solidFill>
+            <a:schemeClr val="phClr"/>
+          </a:solidFill>
+          <a:prstDash val="solid"/>
+        </a:ln>
+      </a:lnStyleLst>
+      <a:effectStyleLst>
+        <a:effectStyle>
+          <a:effectLst>
+            <a:outerShdw blurRad="40000" dist="20000" dir="5400000" rotWithShape="0">
+              <a:srgbClr val="000000">
+                <a:alpha val="38000"/>
+              </a:srgbClr>
+            </a:outerShdw>
+          </a:effectLst>
+        </a:effectStyle>
+        <a:effectStyle>
+          <a:effectLst>
+            <a:outerShdw blurRad="40000" dist="23000" dir="5400000" rotWithShape="0">
+              <a:srgbClr val="000000">
+                <a:alpha val="35000"/>
+              </a:srgbClr>
+            </a:outerShdw>
+          </a:effectLst>
+        </a:effectStyle>
+        <a:effectStyle>
+          <a:effectLst>
+            <a:outerShdw blurRad="40000" dist="23000" dir="5400000" rotWithShape="0">
+              <a:srgbClr val="000000">
+                <a:alpha val="35000"/>
+              </a:srgbClr>
+            </a:outerShdw>
+          </a:effectLst>
+          <a:scene3d>
+            <a:camera prst="orthographicFront">
+              <a:rot lat="0" lon="0" rev="0"/>
+            </a:camera>
+            <a:lightRig rig="threePt" dir="t">
+              <a:rot lat="0" lon="0" rev="1200000"/>
+            </a:lightRig>
+          </a:scene3d>
+          <a:sp3d>
+            <a:bevelT w="63500" h="25400"/>
+          </a:sp3d>
+        </a:effectStyle>
+      </a:effectStyleLst>
+      <a:bgFillStyleLst>
+        <a:solidFill>
+          <a:schemeClr val="phClr"/>
+        </a:solidFill>
+        <a:gradFill rotWithShape="1">
+          <a:gsLst>
+            <a:gs pos="0">
+              <a:schemeClr val="phClr">
+                <a:tint val="40000"/>
+                <a:satMod val="350000"/>
+              </a:schemeClr>
+            </a:gs>
+            <a:gs pos="40000">
+              <a:schemeClr val="phClr">
+                <a:tint val="45000"/>
+                <a:shade val="99000"/>
+                <a:satMod val="350000"/>
+              </a:schemeClr>
+            </a:gs>
+            <a:gs pos="100000">
+              <a:schemeClr val="phClr">
+                <a:shade val="20000"/>
+                <a:satMod val="255000"/>
+              </a:schemeClr>
+            </a:gs>
+          </a:gsLst>
+          <a:path path="circle">
+            <a:fillToRect l="50000" t="-80000" r="50000" b="180000"/>
+          </a:path>
+        </a:gradFill>
+        <a:gradFill rotWithShape="1">
+          <a:gsLst>
+            <a:gs pos="0">
+              <a:schemeClr val="phClr">
+                <a:tint val="80000"/>
+                <a:satMod val="300000"/>
+              </a:schemeClr>
+            </a:gs>
+            <a:gs pos="100000">
+              <a:schemeClr val="phClr">
+                <a:shade val="30000"/>
+                <a:satMod val="200000"/>
+              </a:schemeClr>
+            </a:gs>
+          </a:gsLst>
+          <a:path path="circle">
+            <a:fillToRect l="50000" t="50000" r="50000" b="50000"/>
+          </a:path>
+        </a:gradFill>
+      </a:bgFillStyleLst>
+    </a:fmtScheme>
+  </a:themeElements>
+</a:theme>
+</file>
+
+<file path=ppt/theme/theme2.xml><?xml version="1.0" encoding="utf-8"?>
 <a:theme xmlns:a="http://schemas.openxmlformats.org/drawingml/2006/main" xmlns:r="http://schemas.openxmlformats.org/officeDocument/2006/relationships">
   <a:themeElements>
     <a:clrScheme name="Default">
@@ -11948,283 +12925,4 @@
     </a:fmtScheme>
   </a:themeElements>
 </a:theme>
-</file>
-
-<file path=ppt/theme/theme2.xml><?xml version="1.0" encoding="utf-8"?>
-<a:theme xmlns:a="http://schemas.openxmlformats.org/drawingml/2006/main" xmlns:r="http://schemas.openxmlformats.org/officeDocument/2006/relationships" name="Paradigm">
-  <a:themeElements>
-    <a:clrScheme name="Paradigm">
-      <a:dk1>
-        <a:srgbClr val="3D8FCC"/>
-      </a:dk1>
-      <a:lt1>
-        <a:srgbClr val="FFFFFF"/>
-      </a:lt1>
-      <a:dk2>
-        <a:srgbClr val="666666"/>
-      </a:dk2>
-      <a:lt2>
-        <a:srgbClr val="626B73"/>
-      </a:lt2>
-      <a:accent1>
-        <a:srgbClr val="002F4A"/>
-      </a:accent1>
-      <a:accent2>
-        <a:srgbClr val="D9C4B1"/>
-      </a:accent2>
-      <a:accent3>
-        <a:srgbClr val="EDE3DA"/>
-      </a:accent3>
-      <a:accent4>
-        <a:srgbClr val="B85741"/>
-      </a:accent4>
-      <a:accent5>
-        <a:srgbClr val="009384"/>
-      </a:accent5>
-      <a:accent6>
-        <a:srgbClr val="D0F6FF"/>
-      </a:accent6>
-      <a:hlink>
-        <a:srgbClr val="009384"/>
-      </a:hlink>
-      <a:folHlink>
-        <a:srgbClr val="009384"/>
-      </a:folHlink>
-    </a:clrScheme>
-    <a:fontScheme name="Office">
-      <a:majorFont>
-        <a:latin typeface="Arial"/>
-        <a:ea typeface=""/>
-        <a:cs typeface=""/>
-        <a:font script="Jpan" typeface="ＭＳ Ｐゴシック"/>
-        <a:font script="Hang" typeface="맑은 고딕"/>
-        <a:font script="Hans" typeface="宋体"/>
-        <a:font script="Hant" typeface="新細明體"/>
-        <a:font script="Arab" typeface="Times New Roman"/>
-        <a:font script="Hebr" typeface="Times New Roman"/>
-        <a:font script="Thai" typeface="Angsana New"/>
-        <a:font script="Ethi" typeface="Nyala"/>
-        <a:font script="Beng" typeface="Vrinda"/>
-        <a:font script="Gujr" typeface="Shruti"/>
-        <a:font script="Khmr" typeface="MoolBoran"/>
-        <a:font script="Knda" typeface="Tunga"/>
-        <a:font script="Guru" typeface="Raavi"/>
-        <a:font script="Cans" typeface="Euphemia"/>
-        <a:font script="Cher" typeface="Plantagenet Cherokee"/>
-        <a:font script="Yiii" typeface="Microsoft Yi Baiti"/>
-        <a:font script="Tibt" typeface="Microsoft Himalaya"/>
-        <a:font script="Thaa" typeface="MV Boli"/>
-        <a:font script="Deva" typeface="Mangal"/>
-        <a:font script="Telu" typeface="Gautami"/>
-        <a:font script="Taml" typeface="Latha"/>
-        <a:font script="Syrc" typeface="Estrangelo Edessa"/>
-        <a:font script="Orya" typeface="Kalinga"/>
-        <a:font script="Mlym" typeface="Kartika"/>
-        <a:font script="Laoo" typeface="DokChampa"/>
-        <a:font script="Sinh" typeface="Iskoola Pota"/>
-        <a:font script="Mong" typeface="Mongolian Baiti"/>
-        <a:font script="Viet" typeface="Times New Roman"/>
-        <a:font script="Uigh" typeface="Microsoft Uighur"/>
-        <a:font script="Geor" typeface="Sylfaen"/>
-      </a:majorFont>
-      <a:minorFont>
-        <a:latin typeface="Arial"/>
-        <a:ea typeface=""/>
-        <a:cs typeface=""/>
-        <a:font script="Jpan" typeface="ＭＳ Ｐゴシック"/>
-        <a:font script="Hang" typeface="맑은 고딕"/>
-        <a:font script="Hans" typeface="宋体"/>
-        <a:font script="Hant" typeface="新細明體"/>
-        <a:font script="Arab" typeface="Arial"/>
-        <a:font script="Hebr" typeface="Arial"/>
-        <a:font script="Thai" typeface="Cordia New"/>
-        <a:font script="Ethi" typeface="Nyala"/>
-        <a:font script="Beng" typeface="Vrinda"/>
-        <a:font script="Gujr" typeface="Shruti"/>
-        <a:font script="Khmr" typeface="DaunPenh"/>
-        <a:font script="Knda" typeface="Tunga"/>
-        <a:font script="Guru" typeface="Raavi"/>
-        <a:font script="Cans" typeface="Euphemia"/>
-        <a:font script="Cher" typeface="Plantagenet Cherokee"/>
-        <a:font script="Yiii" typeface="Microsoft Yi Baiti"/>
-        <a:font script="Tibt" typeface="Microsoft Himalaya"/>
-        <a:font script="Thaa" typeface="MV Boli"/>
-        <a:font script="Deva" typeface="Mangal"/>
-        <a:font script="Telu" typeface="Gautami"/>
-        <a:font script="Taml" typeface="Latha"/>
-        <a:font script="Syrc" typeface="Estrangelo Edessa"/>
-        <a:font script="Orya" typeface="Kalinga"/>
-        <a:font script="Mlym" typeface="Kartika"/>
-        <a:font script="Laoo" typeface="DokChampa"/>
-        <a:font script="Sinh" typeface="Iskoola Pota"/>
-        <a:font script="Mong" typeface="Mongolian Baiti"/>
-        <a:font script="Viet" typeface="Arial"/>
-        <a:font script="Uigh" typeface="Microsoft Uighur"/>
-        <a:font script="Geor" typeface="Sylfaen"/>
-      </a:minorFont>
-    </a:fontScheme>
-    <a:fmtScheme name="Office">
-      <a:fillStyleLst>
-        <a:solidFill>
-          <a:schemeClr val="phClr"/>
-        </a:solidFill>
-        <a:gradFill rotWithShape="1">
-          <a:gsLst>
-            <a:gs pos="0">
-              <a:schemeClr val="phClr">
-                <a:tint val="50000"/>
-                <a:satMod val="300000"/>
-              </a:schemeClr>
-            </a:gs>
-            <a:gs pos="35000">
-              <a:schemeClr val="phClr">
-                <a:tint val="37000"/>
-                <a:satMod val="300000"/>
-              </a:schemeClr>
-            </a:gs>
-            <a:gs pos="100000">
-              <a:schemeClr val="phClr">
-                <a:tint val="15000"/>
-                <a:satMod val="350000"/>
-              </a:schemeClr>
-            </a:gs>
-          </a:gsLst>
-          <a:lin ang="16200000" scaled="1"/>
-        </a:gradFill>
-        <a:gradFill rotWithShape="1">
-          <a:gsLst>
-            <a:gs pos="0">
-              <a:schemeClr val="phClr">
-                <a:tint val="100000"/>
-                <a:shade val="100000"/>
-                <a:satMod val="130000"/>
-              </a:schemeClr>
-            </a:gs>
-            <a:gs pos="100000">
-              <a:schemeClr val="phClr">
-                <a:tint val="50000"/>
-                <a:shade val="100000"/>
-                <a:satMod val="350000"/>
-              </a:schemeClr>
-            </a:gs>
-          </a:gsLst>
-          <a:lin ang="16200000" scaled="0"/>
-        </a:gradFill>
-      </a:fillStyleLst>
-      <a:lnStyleLst>
-        <a:ln w="9525" cap="flat" cmpd="sng" algn="ctr">
-          <a:solidFill>
-            <a:schemeClr val="phClr">
-              <a:shade val="95000"/>
-              <a:satMod val="105000"/>
-            </a:schemeClr>
-          </a:solidFill>
-          <a:prstDash val="solid"/>
-        </a:ln>
-        <a:ln w="25400" cap="flat" cmpd="sng" algn="ctr">
-          <a:solidFill>
-            <a:schemeClr val="phClr"/>
-          </a:solidFill>
-          <a:prstDash val="solid"/>
-        </a:ln>
-        <a:ln w="38100" cap="flat" cmpd="sng" algn="ctr">
-          <a:solidFill>
-            <a:schemeClr val="phClr"/>
-          </a:solidFill>
-          <a:prstDash val="solid"/>
-        </a:ln>
-      </a:lnStyleLst>
-      <a:effectStyleLst>
-        <a:effectStyle>
-          <a:effectLst>
-            <a:outerShdw blurRad="40000" dist="20000" dir="5400000" rotWithShape="0">
-              <a:srgbClr val="000000">
-                <a:alpha val="38000"/>
-              </a:srgbClr>
-            </a:outerShdw>
-          </a:effectLst>
-        </a:effectStyle>
-        <a:effectStyle>
-          <a:effectLst>
-            <a:outerShdw blurRad="40000" dist="23000" dir="5400000" rotWithShape="0">
-              <a:srgbClr val="000000">
-                <a:alpha val="35000"/>
-              </a:srgbClr>
-            </a:outerShdw>
-          </a:effectLst>
-        </a:effectStyle>
-        <a:effectStyle>
-          <a:effectLst>
-            <a:outerShdw blurRad="40000" dist="23000" dir="5400000" rotWithShape="0">
-              <a:srgbClr val="000000">
-                <a:alpha val="35000"/>
-              </a:srgbClr>
-            </a:outerShdw>
-          </a:effectLst>
-          <a:scene3d>
-            <a:camera prst="orthographicFront">
-              <a:rot lat="0" lon="0" rev="0"/>
-            </a:camera>
-            <a:lightRig rig="threePt" dir="t">
-              <a:rot lat="0" lon="0" rev="1200000"/>
-            </a:lightRig>
-          </a:scene3d>
-          <a:sp3d>
-            <a:bevelT w="63500" h="25400"/>
-          </a:sp3d>
-        </a:effectStyle>
-      </a:effectStyleLst>
-      <a:bgFillStyleLst>
-        <a:solidFill>
-          <a:schemeClr val="phClr"/>
-        </a:solidFill>
-        <a:gradFill rotWithShape="1">
-          <a:gsLst>
-            <a:gs pos="0">
-              <a:schemeClr val="phClr">
-                <a:tint val="40000"/>
-                <a:satMod val="350000"/>
-              </a:schemeClr>
-            </a:gs>
-            <a:gs pos="40000">
-              <a:schemeClr val="phClr">
-                <a:tint val="45000"/>
-                <a:shade val="99000"/>
-                <a:satMod val="350000"/>
-              </a:schemeClr>
-            </a:gs>
-            <a:gs pos="100000">
-              <a:schemeClr val="phClr">
-                <a:shade val="20000"/>
-                <a:satMod val="255000"/>
-              </a:schemeClr>
-            </a:gs>
-          </a:gsLst>
-          <a:path path="circle">
-            <a:fillToRect l="50000" t="-80000" r="50000" b="180000"/>
-          </a:path>
-        </a:gradFill>
-        <a:gradFill rotWithShape="1">
-          <a:gsLst>
-            <a:gs pos="0">
-              <a:schemeClr val="phClr">
-                <a:tint val="80000"/>
-                <a:satMod val="300000"/>
-              </a:schemeClr>
-            </a:gs>
-            <a:gs pos="100000">
-              <a:schemeClr val="phClr">
-                <a:shade val="30000"/>
-                <a:satMod val="200000"/>
-              </a:schemeClr>
-            </a:gs>
-          </a:gsLst>
-          <a:path path="circle">
-            <a:fillToRect l="50000" t="50000" r="50000" b="50000"/>
-          </a:path>
-        </a:gradFill>
-      </a:bgFillStyleLst>
-    </a:fmtScheme>
-  </a:themeElements>
-</a:theme>
 </file>